--- a/PathogenDataCourse/SlideSets/IntroToPhylogenetics.pptx
+++ b/PathogenDataCourse/SlideSets/IntroToPhylogenetics.pptx
@@ -1736,7 +1736,7 @@
           <a:p>
             <a:fld id="{C4181D7C-81F1-BA48-B0CF-02C398C91972}" type="datetimeFigureOut">
               <a:rPr lang="en-US" smtClean="0"/>
-              <a:t>7/11/23</a:t>
+              <a:t>7/17/23</a:t>
             </a:fld>
             <a:endParaRPr lang="en-US"/>
           </a:p>
@@ -5798,7 +5798,7 @@
             <a:fld id="{197342E9-89D0-D246-B0E5-635614E13D75}" type="datetime1">
               <a:rPr lang="en-GB" smtClean="0"/>
               <a:pPr/>
-              <a:t>11/07/2023</a:t>
+              <a:t>17/07/2023</a:t>
             </a:fld>
             <a:endParaRPr lang="en-US" dirty="0"/>
           </a:p>
@@ -10416,7 +10416,7 @@
             <a:fld id="{197342E9-89D0-D246-B0E5-635614E13D75}" type="datetime1">
               <a:rPr lang="en-GB" smtClean="0"/>
               <a:pPr/>
-              <a:t>11/07/2023</a:t>
+              <a:t>17/07/2023</a:t>
             </a:fld>
             <a:endParaRPr lang="en-US" dirty="0"/>
           </a:p>
@@ -13499,7 +13499,7 @@
             <a:fld id="{197342E9-89D0-D246-B0E5-635614E13D75}" type="datetime1">
               <a:rPr lang="en-GB" smtClean="0"/>
               <a:pPr/>
-              <a:t>11/07/2023</a:t>
+              <a:t>17/07/2023</a:t>
             </a:fld>
             <a:endParaRPr lang="en-US" dirty="0"/>
           </a:p>
@@ -16413,7 +16413,7 @@
             <a:effectLst/>
             <a:extLst>
               <a:ext uri="{AF507438-7753-43e0-B8FC-AC1667EBCBE1}">
-                <a14:hiddenEffects xmlns="" xmlns:a14="http://schemas.microsoft.com/office/drawing/2010/main">
+                <a14:hiddenEffects xmlns:a14="http://schemas.microsoft.com/office/drawing/2010/main" xmlns="">
                   <a:effectLst>
                     <a:outerShdw dist="35921" dir="2700000" algn="ctr" rotWithShape="0">
                       <a:schemeClr val="bg2"/>
@@ -16478,7 +16478,7 @@
             <a:effectLst/>
             <a:extLst>
               <a:ext uri="{AF507438-7753-43e0-B8FC-AC1667EBCBE1}">
-                <a14:hiddenEffects xmlns="" xmlns:a14="http://schemas.microsoft.com/office/drawing/2010/main">
+                <a14:hiddenEffects xmlns:a14="http://schemas.microsoft.com/office/drawing/2010/main" xmlns="">
                   <a:effectLst>
                     <a:outerShdw dist="35921" dir="2700000" algn="ctr" rotWithShape="0">
                       <a:schemeClr val="bg2"/>
@@ -16623,7 +16623,7 @@
             <a:effectLst/>
             <a:extLst>
               <a:ext uri="{AF507438-7753-43e0-B8FC-AC1667EBCBE1}">
-                <a14:hiddenEffects xmlns="" xmlns:a14="http://schemas.microsoft.com/office/drawing/2010/main">
+                <a14:hiddenEffects xmlns:a14="http://schemas.microsoft.com/office/drawing/2010/main" xmlns="">
                   <a:effectLst>
                     <a:outerShdw dist="35921" dir="2700000" algn="ctr" rotWithShape="0">
                       <a:schemeClr val="bg2"/>
@@ -16669,7 +16669,7 @@
             <a:effectLst/>
             <a:extLst>
               <a:ext uri="{AF507438-7753-43e0-B8FC-AC1667EBCBE1}">
-                <a14:hiddenEffects xmlns="" xmlns:a14="http://schemas.microsoft.com/office/drawing/2010/main">
+                <a14:hiddenEffects xmlns:a14="http://schemas.microsoft.com/office/drawing/2010/main" xmlns="">
                   <a:effectLst>
                     <a:outerShdw dist="35921" dir="2700000" algn="ctr" rotWithShape="0">
                       <a:schemeClr val="bg2"/>
@@ -20153,7 +20153,7 @@
         </p:spPr>
         <p:txBody>
           <a:bodyPr>
-            <a:normAutofit/>
+            <a:normAutofit lnSpcReduction="10000"/>
           </a:bodyPr>
           <a:lstStyle/>
           <a:p>
@@ -20193,6 +20193,13 @@
             <a:r>
               <a:rPr lang="nl-BE" dirty="0"/>
               <a:t>Use G, T, C, A or amino acids as the characters</a:t>
+            </a:r>
+          </a:p>
+          <a:p>
+            <a:pPr lvl="1"/>
+            <a:r>
+              <a:rPr lang="nl-BE" dirty="0"/>
+              <a:t>Fine on very closely related isolates (e.g. local transmission cluster seperated by a couple of SNPs)</a:t>
             </a:r>
           </a:p>
           <a:p>
@@ -21349,14 +21356,14 @@
           <a:effectLst/>
           <a:extLst>
             <a:ext uri="{909E8E84-426E-40dd-AFC4-6F175D3DCCD1}">
-              <a14:hiddenFill xmlns="" xmlns:a14="http://schemas.microsoft.com/office/drawing/2010/main">
+              <a14:hiddenFill xmlns:a14="http://schemas.microsoft.com/office/drawing/2010/main" xmlns="">
                 <a:solidFill>
                   <a:schemeClr val="accent1"/>
                 </a:solidFill>
               </a14:hiddenFill>
             </a:ext>
             <a:ext uri="{91240B29-F687-4f45-9708-019B960494DF}">
-              <a14:hiddenLine xmlns="" xmlns:a14="http://schemas.microsoft.com/office/drawing/2010/main" w="9525">
+              <a14:hiddenLine xmlns:a14="http://schemas.microsoft.com/office/drawing/2010/main" xmlns="" w="9525">
                 <a:solidFill>
                   <a:schemeClr val="tx1"/>
                 </a:solidFill>
@@ -21366,7 +21373,7 @@
               </a14:hiddenLine>
             </a:ext>
             <a:ext uri="{AF507438-7753-43e0-B8FC-AC1667EBCBE1}">
-              <a14:hiddenEffects xmlns="" xmlns:a14="http://schemas.microsoft.com/office/drawing/2010/main">
+              <a14:hiddenEffects xmlns:a14="http://schemas.microsoft.com/office/drawing/2010/main" xmlns="">
                 <a:effectLst>
                   <a:outerShdw dist="35921" dir="2700000" algn="ctr" rotWithShape="0">
                     <a:schemeClr val="bg2"/>
@@ -22453,14 +22460,14 @@
           <a:effectLst/>
           <a:extLst>
             <a:ext uri="{909E8E84-426E-40dd-AFC4-6F175D3DCCD1}">
-              <a14:hiddenFill xmlns="" xmlns:a14="http://schemas.microsoft.com/office/drawing/2010/main">
+              <a14:hiddenFill xmlns:a14="http://schemas.microsoft.com/office/drawing/2010/main" xmlns="">
                 <a:solidFill>
                   <a:schemeClr val="accent1"/>
                 </a:solidFill>
               </a14:hiddenFill>
             </a:ext>
             <a:ext uri="{91240B29-F687-4f45-9708-019B960494DF}">
-              <a14:hiddenLine xmlns="" xmlns:a14="http://schemas.microsoft.com/office/drawing/2010/main" w="9525">
+              <a14:hiddenLine xmlns:a14="http://schemas.microsoft.com/office/drawing/2010/main" xmlns="" w="9525">
                 <a:solidFill>
                   <a:schemeClr val="tx1"/>
                 </a:solidFill>
@@ -22470,7 +22477,7 @@
               </a14:hiddenLine>
             </a:ext>
             <a:ext uri="{AF507438-7753-43e0-B8FC-AC1667EBCBE1}">
-              <a14:hiddenEffects xmlns="" xmlns:a14="http://schemas.microsoft.com/office/drawing/2010/main">
+              <a14:hiddenEffects xmlns:a14="http://schemas.microsoft.com/office/drawing/2010/main" xmlns="">
                 <a:effectLst>
                   <a:outerShdw dist="35921" dir="2700000" algn="ctr" rotWithShape="0">
                     <a:schemeClr val="bg2"/>
@@ -23238,14 +23245,14 @@
           <a:effectLst/>
           <a:extLst>
             <a:ext uri="{909E8E84-426E-40dd-AFC4-6F175D3DCCD1}">
-              <a14:hiddenFill xmlns="" xmlns:a14="http://schemas.microsoft.com/office/drawing/2010/main">
+              <a14:hiddenFill xmlns:a14="http://schemas.microsoft.com/office/drawing/2010/main" xmlns="">
                 <a:solidFill>
                   <a:schemeClr val="accent1"/>
                 </a:solidFill>
               </a14:hiddenFill>
             </a:ext>
             <a:ext uri="{91240B29-F687-4f45-9708-019B960494DF}">
-              <a14:hiddenLine xmlns="" xmlns:a14="http://schemas.microsoft.com/office/drawing/2010/main" w="9525">
+              <a14:hiddenLine xmlns:a14="http://schemas.microsoft.com/office/drawing/2010/main" xmlns="" w="9525">
                 <a:solidFill>
                   <a:schemeClr val="tx1"/>
                 </a:solidFill>
@@ -23255,7 +23262,7 @@
               </a14:hiddenLine>
             </a:ext>
             <a:ext uri="{AF507438-7753-43e0-B8FC-AC1667EBCBE1}">
-              <a14:hiddenEffects xmlns="" xmlns:a14="http://schemas.microsoft.com/office/drawing/2010/main">
+              <a14:hiddenEffects xmlns:a14="http://schemas.microsoft.com/office/drawing/2010/main" xmlns="">
                 <a:effectLst>
                   <a:outerShdw dist="35921" dir="2700000" algn="ctr" rotWithShape="0">
                     <a:schemeClr val="bg2"/>
@@ -24431,14 +24438,14 @@
           <a:effectLst/>
           <a:extLst>
             <a:ext uri="{909E8E84-426E-40dd-AFC4-6F175D3DCCD1}">
-              <a14:hiddenFill xmlns="" xmlns:a14="http://schemas.microsoft.com/office/drawing/2010/main">
+              <a14:hiddenFill xmlns:a14="http://schemas.microsoft.com/office/drawing/2010/main" xmlns="">
                 <a:solidFill>
                   <a:schemeClr val="accent1"/>
                 </a:solidFill>
               </a14:hiddenFill>
             </a:ext>
             <a:ext uri="{91240B29-F687-4f45-9708-019B960494DF}">
-              <a14:hiddenLine xmlns="" xmlns:a14="http://schemas.microsoft.com/office/drawing/2010/main" w="9525">
+              <a14:hiddenLine xmlns:a14="http://schemas.microsoft.com/office/drawing/2010/main" xmlns="" w="9525">
                 <a:solidFill>
                   <a:schemeClr val="tx1"/>
                 </a:solidFill>
@@ -24448,7 +24455,7 @@
               </a14:hiddenLine>
             </a:ext>
             <a:ext uri="{AF507438-7753-43e0-B8FC-AC1667EBCBE1}">
-              <a14:hiddenEffects xmlns="" xmlns:a14="http://schemas.microsoft.com/office/drawing/2010/main">
+              <a14:hiddenEffects xmlns:a14="http://schemas.microsoft.com/office/drawing/2010/main" xmlns="">
                 <a:effectLst>
                   <a:outerShdw dist="35921" dir="2700000" algn="ctr" rotWithShape="0">
                     <a:schemeClr val="bg2"/>
@@ -25996,7 +26003,7 @@
             <a:effectLst/>
             <a:extLst>
               <a:ext uri="{AF507438-7753-43e0-B8FC-AC1667EBCBE1}">
-                <a14:hiddenEffects xmlns="" xmlns:a14="http://schemas.microsoft.com/office/drawing/2010/main">
+                <a14:hiddenEffects xmlns:a14="http://schemas.microsoft.com/office/drawing/2010/main" xmlns="">
                   <a:effectLst>
                     <a:outerShdw dist="35921" dir="2700000" algn="ctr" rotWithShape="0">
                       <a:schemeClr val="bg2"/>
@@ -26065,7 +26072,7 @@
             <a:effectLst/>
             <a:extLst>
               <a:ext uri="{AF507438-7753-43e0-B8FC-AC1667EBCBE1}">
-                <a14:hiddenEffects xmlns="" xmlns:a14="http://schemas.microsoft.com/office/drawing/2010/main">
+                <a14:hiddenEffects xmlns:a14="http://schemas.microsoft.com/office/drawing/2010/main" xmlns="">
                   <a:effectLst>
                     <a:outerShdw dist="35921" dir="2700000" algn="ctr" rotWithShape="0">
                       <a:schemeClr val="bg2"/>
@@ -26113,7 +26120,7 @@
             <a:effectLst/>
             <a:extLst>
               <a:ext uri="{AF507438-7753-43e0-B8FC-AC1667EBCBE1}">
-                <a14:hiddenEffects xmlns="" xmlns:a14="http://schemas.microsoft.com/office/drawing/2010/main">
+                <a14:hiddenEffects xmlns:a14="http://schemas.microsoft.com/office/drawing/2010/main" xmlns="">
                   <a:effectLst>
                     <a:outerShdw dist="35921" dir="2700000" algn="ctr" rotWithShape="0">
                       <a:schemeClr val="bg2"/>
@@ -26450,7 +26457,7 @@
             <a:effectLst/>
             <a:extLst>
               <a:ext uri="{AF507438-7753-43e0-B8FC-AC1667EBCBE1}">
-                <a14:hiddenEffects xmlns="" xmlns:a14="http://schemas.microsoft.com/office/drawing/2010/main">
+                <a14:hiddenEffects xmlns:a14="http://schemas.microsoft.com/office/drawing/2010/main" xmlns="">
                   <a:effectLst>
                     <a:outerShdw dist="35921" dir="2700000" algn="ctr" rotWithShape="0">
                       <a:schemeClr val="bg2"/>
@@ -26519,7 +26526,7 @@
             <a:effectLst/>
             <a:extLst>
               <a:ext uri="{AF507438-7753-43e0-B8FC-AC1667EBCBE1}">
-                <a14:hiddenEffects xmlns="" xmlns:a14="http://schemas.microsoft.com/office/drawing/2010/main">
+                <a14:hiddenEffects xmlns:a14="http://schemas.microsoft.com/office/drawing/2010/main" xmlns="">
                   <a:effectLst>
                     <a:outerShdw dist="35921" dir="2700000" algn="ctr" rotWithShape="0">
                       <a:schemeClr val="bg2"/>
@@ -26567,7 +26574,7 @@
             <a:effectLst/>
             <a:extLst>
               <a:ext uri="{AF507438-7753-43e0-B8FC-AC1667EBCBE1}">
-                <a14:hiddenEffects xmlns="" xmlns:a14="http://schemas.microsoft.com/office/drawing/2010/main">
+                <a14:hiddenEffects xmlns:a14="http://schemas.microsoft.com/office/drawing/2010/main" xmlns="">
                   <a:effectLst>
                     <a:outerShdw dist="35921" dir="2700000" algn="ctr" rotWithShape="0">
                       <a:schemeClr val="bg2"/>
@@ -26983,7 +26990,7 @@
             <a:effectLst/>
             <a:extLst>
               <a:ext uri="{AF507438-7753-43e0-B8FC-AC1667EBCBE1}">
-                <a14:hiddenEffects xmlns="" xmlns:a14="http://schemas.microsoft.com/office/drawing/2010/main">
+                <a14:hiddenEffects xmlns:a14="http://schemas.microsoft.com/office/drawing/2010/main" xmlns="">
                   <a:effectLst>
                     <a:outerShdw dist="35921" dir="2700000" algn="ctr" rotWithShape="0">
                       <a:schemeClr val="bg2"/>
@@ -27052,7 +27059,7 @@
             <a:effectLst/>
             <a:extLst>
               <a:ext uri="{AF507438-7753-43e0-B8FC-AC1667EBCBE1}">
-                <a14:hiddenEffects xmlns="" xmlns:a14="http://schemas.microsoft.com/office/drawing/2010/main">
+                <a14:hiddenEffects xmlns:a14="http://schemas.microsoft.com/office/drawing/2010/main" xmlns="">
                   <a:effectLst>
                     <a:outerShdw dist="35921" dir="2700000" algn="ctr" rotWithShape="0">
                       <a:schemeClr val="bg2"/>
@@ -27100,7 +27107,7 @@
             <a:effectLst/>
             <a:extLst>
               <a:ext uri="{AF507438-7753-43e0-B8FC-AC1667EBCBE1}">
-                <a14:hiddenEffects xmlns="" xmlns:a14="http://schemas.microsoft.com/office/drawing/2010/main">
+                <a14:hiddenEffects xmlns:a14="http://schemas.microsoft.com/office/drawing/2010/main" xmlns="">
                   <a:effectLst>
                     <a:outerShdw dist="35921" dir="2700000" algn="ctr" rotWithShape="0">
                       <a:schemeClr val="bg2"/>
@@ -27301,7 +27308,7 @@
           <a:effectLst/>
           <a:extLst>
             <a:ext uri="{AF507438-7753-43e0-B8FC-AC1667EBCBE1}">
-              <a14:hiddenEffects xmlns="" xmlns:a14="http://schemas.microsoft.com/office/drawing/2010/main">
+              <a14:hiddenEffects xmlns:a14="http://schemas.microsoft.com/office/drawing/2010/main" xmlns="">
                 <a:effectLst>
                   <a:outerShdw dist="35921" dir="2700000" algn="ctr" rotWithShape="0">
                     <a:schemeClr val="bg2"/>
@@ -27561,7 +27568,7 @@
             <a:effectLst/>
             <a:extLst>
               <a:ext uri="{AF507438-7753-43e0-B8FC-AC1667EBCBE1}">
-                <a14:hiddenEffects xmlns="" xmlns:a14="http://schemas.microsoft.com/office/drawing/2010/main">
+                <a14:hiddenEffects xmlns:a14="http://schemas.microsoft.com/office/drawing/2010/main" xmlns="">
                   <a:effectLst>
                     <a:outerShdw dist="35921" dir="2700000" algn="ctr" rotWithShape="0">
                       <a:schemeClr val="bg2"/>
@@ -27630,7 +27637,7 @@
             <a:effectLst/>
             <a:extLst>
               <a:ext uri="{AF507438-7753-43e0-B8FC-AC1667EBCBE1}">
-                <a14:hiddenEffects xmlns="" xmlns:a14="http://schemas.microsoft.com/office/drawing/2010/main">
+                <a14:hiddenEffects xmlns:a14="http://schemas.microsoft.com/office/drawing/2010/main" xmlns="">
                   <a:effectLst>
                     <a:outerShdw dist="35921" dir="2700000" algn="ctr" rotWithShape="0">
                       <a:schemeClr val="bg2"/>
@@ -27678,7 +27685,7 @@
             <a:effectLst/>
             <a:extLst>
               <a:ext uri="{AF507438-7753-43e0-B8FC-AC1667EBCBE1}">
-                <a14:hiddenEffects xmlns="" xmlns:a14="http://schemas.microsoft.com/office/drawing/2010/main">
+                <a14:hiddenEffects xmlns:a14="http://schemas.microsoft.com/office/drawing/2010/main" xmlns="">
                   <a:effectLst>
                     <a:outerShdw dist="35921" dir="2700000" algn="ctr" rotWithShape="0">
                       <a:schemeClr val="bg2"/>
@@ -28144,7 +28151,7 @@
             <a:effectLst/>
             <a:extLst>
               <a:ext uri="{AF507438-7753-43e0-B8FC-AC1667EBCBE1}">
-                <a14:hiddenEffects xmlns="" xmlns:a14="http://schemas.microsoft.com/office/drawing/2010/main">
+                <a14:hiddenEffects xmlns:a14="http://schemas.microsoft.com/office/drawing/2010/main" xmlns="">
                   <a:effectLst>
                     <a:outerShdw dist="35921" dir="2700000" algn="ctr" rotWithShape="0">
                       <a:schemeClr val="bg2"/>
@@ -28213,7 +28220,7 @@
             <a:effectLst/>
             <a:extLst>
               <a:ext uri="{AF507438-7753-43e0-B8FC-AC1667EBCBE1}">
-                <a14:hiddenEffects xmlns="" xmlns:a14="http://schemas.microsoft.com/office/drawing/2010/main">
+                <a14:hiddenEffects xmlns:a14="http://schemas.microsoft.com/office/drawing/2010/main" xmlns="">
                   <a:effectLst>
                     <a:outerShdw dist="35921" dir="2700000" algn="ctr" rotWithShape="0">
                       <a:schemeClr val="bg2"/>
@@ -28261,7 +28268,7 @@
             <a:effectLst/>
             <a:extLst>
               <a:ext uri="{AF507438-7753-43e0-B8FC-AC1667EBCBE1}">
-                <a14:hiddenEffects xmlns="" xmlns:a14="http://schemas.microsoft.com/office/drawing/2010/main">
+                <a14:hiddenEffects xmlns:a14="http://schemas.microsoft.com/office/drawing/2010/main" xmlns="">
                   <a:effectLst>
                     <a:outerShdw dist="35921" dir="2700000" algn="ctr" rotWithShape="0">
                       <a:schemeClr val="bg2"/>
@@ -28677,7 +28684,7 @@
             <a:effectLst/>
             <a:extLst>
               <a:ext uri="{AF507438-7753-43e0-B8FC-AC1667EBCBE1}">
-                <a14:hiddenEffects xmlns="" xmlns:a14="http://schemas.microsoft.com/office/drawing/2010/main">
+                <a14:hiddenEffects xmlns:a14="http://schemas.microsoft.com/office/drawing/2010/main" xmlns="">
                   <a:effectLst>
                     <a:outerShdw dist="35921" dir="2700000" algn="ctr" rotWithShape="0">
                       <a:schemeClr val="bg2"/>
@@ -28746,7 +28753,7 @@
             <a:effectLst/>
             <a:extLst>
               <a:ext uri="{AF507438-7753-43e0-B8FC-AC1667EBCBE1}">
-                <a14:hiddenEffects xmlns="" xmlns:a14="http://schemas.microsoft.com/office/drawing/2010/main">
+                <a14:hiddenEffects xmlns:a14="http://schemas.microsoft.com/office/drawing/2010/main" xmlns="">
                   <a:effectLst>
                     <a:outerShdw dist="35921" dir="2700000" algn="ctr" rotWithShape="0">
                       <a:schemeClr val="bg2"/>
@@ -28794,7 +28801,7 @@
             <a:effectLst/>
             <a:extLst>
               <a:ext uri="{AF507438-7753-43e0-B8FC-AC1667EBCBE1}">
-                <a14:hiddenEffects xmlns="" xmlns:a14="http://schemas.microsoft.com/office/drawing/2010/main">
+                <a14:hiddenEffects xmlns:a14="http://schemas.microsoft.com/office/drawing/2010/main" xmlns="">
                   <a:effectLst>
                     <a:outerShdw dist="35921" dir="2700000" algn="ctr" rotWithShape="0">
                       <a:schemeClr val="bg2"/>
@@ -28995,7 +29002,7 @@
           <a:effectLst/>
           <a:extLst>
             <a:ext uri="{AF507438-7753-43e0-B8FC-AC1667EBCBE1}">
-              <a14:hiddenEffects xmlns="" xmlns:a14="http://schemas.microsoft.com/office/drawing/2010/main">
+              <a14:hiddenEffects xmlns:a14="http://schemas.microsoft.com/office/drawing/2010/main" xmlns="">
                 <a:effectLst>
                   <a:outerShdw dist="35921" dir="2700000" algn="ctr" rotWithShape="0">
                     <a:schemeClr val="bg2"/>
@@ -29255,7 +29262,7 @@
             <a:effectLst/>
             <a:extLst>
               <a:ext uri="{AF507438-7753-43e0-B8FC-AC1667EBCBE1}">
-                <a14:hiddenEffects xmlns="" xmlns:a14="http://schemas.microsoft.com/office/drawing/2010/main">
+                <a14:hiddenEffects xmlns:a14="http://schemas.microsoft.com/office/drawing/2010/main" xmlns="">
                   <a:effectLst>
                     <a:outerShdw dist="35921" dir="2700000" algn="ctr" rotWithShape="0">
                       <a:schemeClr val="bg2"/>
@@ -29324,7 +29331,7 @@
             <a:effectLst/>
             <a:extLst>
               <a:ext uri="{AF507438-7753-43e0-B8FC-AC1667EBCBE1}">
-                <a14:hiddenEffects xmlns="" xmlns:a14="http://schemas.microsoft.com/office/drawing/2010/main">
+                <a14:hiddenEffects xmlns:a14="http://schemas.microsoft.com/office/drawing/2010/main" xmlns="">
                   <a:effectLst>
                     <a:outerShdw dist="35921" dir="2700000" algn="ctr" rotWithShape="0">
                       <a:schemeClr val="bg2"/>
@@ -29372,7 +29379,7 @@
             <a:effectLst/>
             <a:extLst>
               <a:ext uri="{AF507438-7753-43e0-B8FC-AC1667EBCBE1}">
-                <a14:hiddenEffects xmlns="" xmlns:a14="http://schemas.microsoft.com/office/drawing/2010/main">
+                <a14:hiddenEffects xmlns:a14="http://schemas.microsoft.com/office/drawing/2010/main" xmlns="">
                   <a:effectLst>
                     <a:outerShdw dist="35921" dir="2700000" algn="ctr" rotWithShape="0">
                       <a:schemeClr val="bg2"/>
@@ -29866,7 +29873,7 @@
             <a:effectLst/>
             <a:extLst>
               <a:ext uri="{AF507438-7753-43e0-B8FC-AC1667EBCBE1}">
-                <a14:hiddenEffects xmlns="" xmlns:a14="http://schemas.microsoft.com/office/drawing/2010/main">
+                <a14:hiddenEffects xmlns:a14="http://schemas.microsoft.com/office/drawing/2010/main" xmlns="">
                   <a:effectLst>
                     <a:outerShdw dist="35921" dir="2700000" algn="ctr" rotWithShape="0">
                       <a:schemeClr val="bg2"/>
@@ -29935,7 +29942,7 @@
             <a:effectLst/>
             <a:extLst>
               <a:ext uri="{AF507438-7753-43e0-B8FC-AC1667EBCBE1}">
-                <a14:hiddenEffects xmlns="" xmlns:a14="http://schemas.microsoft.com/office/drawing/2010/main">
+                <a14:hiddenEffects xmlns:a14="http://schemas.microsoft.com/office/drawing/2010/main" xmlns="">
                   <a:effectLst>
                     <a:outerShdw dist="35921" dir="2700000" algn="ctr" rotWithShape="0">
                       <a:schemeClr val="bg2"/>
@@ -29983,7 +29990,7 @@
             <a:effectLst/>
             <a:extLst>
               <a:ext uri="{AF507438-7753-43e0-B8FC-AC1667EBCBE1}">
-                <a14:hiddenEffects xmlns="" xmlns:a14="http://schemas.microsoft.com/office/drawing/2010/main">
+                <a14:hiddenEffects xmlns:a14="http://schemas.microsoft.com/office/drawing/2010/main" xmlns="">
                   <a:effectLst>
                     <a:outerShdw dist="35921" dir="2700000" algn="ctr" rotWithShape="0">
                       <a:schemeClr val="bg2"/>
@@ -30639,7 +30646,7 @@
             <a:effectLst/>
             <a:extLst>
               <a:ext uri="{AF507438-7753-43e0-B8FC-AC1667EBCBE1}">
-                <a14:hiddenEffects xmlns="" xmlns:a14="http://schemas.microsoft.com/office/drawing/2010/main">
+                <a14:hiddenEffects xmlns:a14="http://schemas.microsoft.com/office/drawing/2010/main" xmlns="">
                   <a:effectLst>
                     <a:outerShdw dist="35921" dir="2700000" algn="ctr" rotWithShape="0">
                       <a:schemeClr val="bg2"/>
@@ -30888,7 +30895,7 @@
             <a:effectLst/>
             <a:extLst>
               <a:ext uri="{AF507438-7753-43e0-B8FC-AC1667EBCBE1}">
-                <a14:hiddenEffects xmlns="" xmlns:a14="http://schemas.microsoft.com/office/drawing/2010/main">
+                <a14:hiddenEffects xmlns:a14="http://schemas.microsoft.com/office/drawing/2010/main" xmlns="">
                   <a:effectLst>
                     <a:outerShdw dist="35921" dir="2700000" algn="ctr" rotWithShape="0">
                       <a:schemeClr val="bg2"/>
@@ -30936,7 +30943,7 @@
             <a:effectLst/>
             <a:extLst>
               <a:ext uri="{AF507438-7753-43e0-B8FC-AC1667EBCBE1}">
-                <a14:hiddenEffects xmlns="" xmlns:a14="http://schemas.microsoft.com/office/drawing/2010/main">
+                <a14:hiddenEffects xmlns:a14="http://schemas.microsoft.com/office/drawing/2010/main" xmlns="">
                   <a:effectLst>
                     <a:outerShdw dist="35921" dir="2700000" algn="ctr" rotWithShape="0">
                       <a:schemeClr val="bg2"/>
@@ -30984,7 +30991,7 @@
             <a:effectLst/>
             <a:extLst>
               <a:ext uri="{AF507438-7753-43e0-B8FC-AC1667EBCBE1}">
-                <a14:hiddenEffects xmlns="" xmlns:a14="http://schemas.microsoft.com/office/drawing/2010/main">
+                <a14:hiddenEffects xmlns:a14="http://schemas.microsoft.com/office/drawing/2010/main" xmlns="">
                   <a:effectLst>
                     <a:outerShdw dist="35921" dir="2700000" algn="ctr" rotWithShape="0">
                       <a:schemeClr val="bg2"/>
@@ -31032,7 +31039,7 @@
             <a:effectLst/>
             <a:extLst>
               <a:ext uri="{AF507438-7753-43e0-B8FC-AC1667EBCBE1}">
-                <a14:hiddenEffects xmlns="" xmlns:a14="http://schemas.microsoft.com/office/drawing/2010/main">
+                <a14:hiddenEffects xmlns:a14="http://schemas.microsoft.com/office/drawing/2010/main" xmlns="">
                   <a:effectLst>
                     <a:outerShdw dist="35921" dir="2700000" algn="ctr" rotWithShape="0">
                       <a:schemeClr val="bg2"/>
@@ -31341,6 +31348,924 @@
           <a:xfrm>
             <a:off x="5159896" y="4494365"/>
             <a:ext cx="1872208" cy="1919237"/>
+          </a:xfrm>
+          <a:prstGeom prst="rect">
+            <a:avLst/>
+          </a:prstGeom>
+          <a:noFill/>
+          <a:ln>
+            <a:noFill/>
+          </a:ln>
+          <a:effectLst/>
+          <a:extLst>
+            <a:ext uri="{909E8E84-426E-40dd-AFC4-6F175D3DCCD1}">
+              <a14:hiddenFill xmlns="" xmlns:a14="http://schemas.microsoft.com/office/drawing/2010/main">
+                <a:solidFill>
+                  <a:schemeClr val="accent1"/>
+                </a:solidFill>
+              </a14:hiddenFill>
+            </a:ext>
+            <a:ext uri="{91240B29-F687-4f45-9708-019B960494DF}">
+              <a14:hiddenLine xmlns="" xmlns:a14="http://schemas.microsoft.com/office/drawing/2010/main" w="9525">
+                <a:solidFill>
+                  <a:schemeClr val="tx1"/>
+                </a:solidFill>
+                <a:miter lim="800000"/>
+                <a:headEnd/>
+                <a:tailEnd/>
+              </a14:hiddenLine>
+            </a:ext>
+            <a:ext uri="{AF507438-7753-43e0-B8FC-AC1667EBCBE1}">
+              <a14:hiddenEffects xmlns="" xmlns:a14="http://schemas.microsoft.com/office/drawing/2010/main">
+                <a:effectLst>
+                  <a:outerShdw dist="35921" dir="2700000" algn="ctr" rotWithShape="0">
+                    <a:schemeClr val="bg2"/>
+                  </a:outerShdw>
+                </a:effectLst>
+              </a14:hiddenEffects>
+            </a:ext>
+          </a:extLst>
+        </p:spPr>
+        <p:txBody>
+          <a:bodyPr vert="horz" wrap="square" lIns="91440" tIns="45720" rIns="91440" bIns="45720" numCol="1" anchor="t" anchorCtr="0" compatLnSpc="1">
+            <a:prstTxWarp prst="textNoShape">
+              <a:avLst/>
+            </a:prstTxWarp>
+          </a:bodyPr>
+          <a:lstStyle/>
+          <a:p>
+            <a:pPr marL="342891" indent="-342891">
+              <a:spcBef>
+                <a:spcPct val="20000"/>
+              </a:spcBef>
+            </a:pPr>
+            <a:r>
+              <a:rPr lang="en-US" sz="2000" kern="0" dirty="0">
+                <a:latin typeface="Courier"/>
+                <a:cs typeface="Courier"/>
+              </a:rPr>
+              <a:t>S1: </a:t>
+            </a:r>
+            <a:r>
+              <a:rPr lang="en-US" sz="2000" kern="0" dirty="0">
+                <a:solidFill>
+                  <a:srgbClr val="FF0000"/>
+                </a:solidFill>
+                <a:latin typeface="Courier"/>
+                <a:cs typeface="Courier"/>
+              </a:rPr>
+              <a:t>TT</a:t>
+            </a:r>
+            <a:r>
+              <a:rPr lang="en-US" sz="2000" kern="0" dirty="0">
+                <a:solidFill>
+                  <a:srgbClr val="008000"/>
+                </a:solidFill>
+                <a:latin typeface="Courier"/>
+                <a:cs typeface="Courier"/>
+              </a:rPr>
+              <a:t>C</a:t>
+            </a:r>
+            <a:r>
+              <a:rPr lang="en-US" sz="2000" kern="0" dirty="0">
+                <a:solidFill>
+                  <a:srgbClr val="3366FF"/>
+                </a:solidFill>
+                <a:latin typeface="Courier"/>
+                <a:cs typeface="Courier"/>
+              </a:rPr>
+              <a:t>A</a:t>
+            </a:r>
+            <a:r>
+              <a:rPr lang="en-US" sz="2000" kern="0" dirty="0">
+                <a:solidFill>
+                  <a:srgbClr val="FF9900"/>
+                </a:solidFill>
+                <a:latin typeface="Courier"/>
+                <a:cs typeface="Courier"/>
+              </a:rPr>
+              <a:t>G</a:t>
+            </a:r>
+          </a:p>
+          <a:p>
+            <a:pPr marL="342891" indent="-342891">
+              <a:spcBef>
+                <a:spcPct val="20000"/>
+              </a:spcBef>
+            </a:pPr>
+            <a:r>
+              <a:rPr lang="en-US" sz="2000" kern="0" dirty="0">
+                <a:latin typeface="Courier"/>
+                <a:cs typeface="Courier"/>
+              </a:rPr>
+              <a:t>S2: </a:t>
+            </a:r>
+            <a:r>
+              <a:rPr lang="en-US" sz="2000" kern="0" dirty="0">
+                <a:solidFill>
+                  <a:srgbClr val="FF0000"/>
+                </a:solidFill>
+                <a:latin typeface="Courier"/>
+                <a:cs typeface="Courier"/>
+              </a:rPr>
+              <a:t>TT</a:t>
+            </a:r>
+            <a:r>
+              <a:rPr lang="en-US" sz="2000" kern="0" dirty="0">
+                <a:solidFill>
+                  <a:srgbClr val="008000"/>
+                </a:solidFill>
+                <a:latin typeface="Courier"/>
+                <a:cs typeface="Courier"/>
+              </a:rPr>
+              <a:t>C</a:t>
+            </a:r>
+            <a:r>
+              <a:rPr lang="en-US" sz="2000" kern="0" dirty="0">
+                <a:solidFill>
+                  <a:srgbClr val="FF9900"/>
+                </a:solidFill>
+                <a:latin typeface="Courier"/>
+                <a:cs typeface="Courier"/>
+              </a:rPr>
+              <a:t>GG</a:t>
+            </a:r>
+            <a:endParaRPr lang="en-US" sz="2000" kern="0" dirty="0">
+              <a:latin typeface="Courier"/>
+              <a:cs typeface="Courier"/>
+            </a:endParaRPr>
+          </a:p>
+          <a:p>
+            <a:pPr marL="342891" indent="-342891">
+              <a:spcBef>
+                <a:spcPct val="20000"/>
+              </a:spcBef>
+            </a:pPr>
+            <a:r>
+              <a:rPr lang="en-US" sz="2000" kern="0" dirty="0">
+                <a:latin typeface="Courier"/>
+                <a:cs typeface="Courier"/>
+              </a:rPr>
+              <a:t>S3: </a:t>
+            </a:r>
+            <a:r>
+              <a:rPr lang="en-US" sz="2000" kern="0" dirty="0">
+                <a:solidFill>
+                  <a:srgbClr val="FF0000"/>
+                </a:solidFill>
+                <a:latin typeface="Courier"/>
+                <a:cs typeface="Courier"/>
+              </a:rPr>
+              <a:t>T</a:t>
+            </a:r>
+            <a:r>
+              <a:rPr lang="en-US" sz="2000" kern="0" dirty="0">
+                <a:solidFill>
+                  <a:srgbClr val="FF9900"/>
+                </a:solidFill>
+                <a:latin typeface="Courier"/>
+                <a:cs typeface="Courier"/>
+              </a:rPr>
+              <a:t>G</a:t>
+            </a:r>
+            <a:r>
+              <a:rPr lang="en-US" sz="2000" kern="0" dirty="0">
+                <a:solidFill>
+                  <a:srgbClr val="FF0000"/>
+                </a:solidFill>
+                <a:latin typeface="Courier"/>
+                <a:cs typeface="Courier"/>
+              </a:rPr>
+              <a:t>TT</a:t>
+            </a:r>
+            <a:r>
+              <a:rPr lang="en-US" sz="2000" kern="0" dirty="0">
+                <a:solidFill>
+                  <a:srgbClr val="FF9900"/>
+                </a:solidFill>
+                <a:latin typeface="Courier"/>
+                <a:cs typeface="Courier"/>
+              </a:rPr>
+              <a:t>G</a:t>
+            </a:r>
+            <a:endParaRPr lang="en-US" sz="2000" kern="0" dirty="0">
+              <a:latin typeface="Courier"/>
+              <a:cs typeface="Courier"/>
+            </a:endParaRPr>
+          </a:p>
+          <a:p>
+            <a:pPr marL="342891" indent="-342891">
+              <a:spcBef>
+                <a:spcPct val="20000"/>
+              </a:spcBef>
+            </a:pPr>
+            <a:r>
+              <a:rPr lang="en-US" sz="2000" kern="0" dirty="0">
+                <a:latin typeface="Courier"/>
+                <a:cs typeface="Courier"/>
+              </a:rPr>
+              <a:t>S4: </a:t>
+            </a:r>
+            <a:r>
+              <a:rPr lang="en-US" sz="2000" kern="0" dirty="0">
+                <a:solidFill>
+                  <a:srgbClr val="FF0000"/>
+                </a:solidFill>
+                <a:latin typeface="Courier"/>
+                <a:cs typeface="Courier"/>
+              </a:rPr>
+              <a:t>T</a:t>
+            </a:r>
+            <a:r>
+              <a:rPr lang="en-US" sz="2000" kern="0" dirty="0">
+                <a:solidFill>
+                  <a:srgbClr val="FF9900"/>
+                </a:solidFill>
+                <a:latin typeface="Courier"/>
+                <a:cs typeface="Courier"/>
+              </a:rPr>
+              <a:t>G</a:t>
+            </a:r>
+            <a:r>
+              <a:rPr lang="en-US" sz="2000" kern="0" dirty="0">
+                <a:solidFill>
+                  <a:srgbClr val="3366FF"/>
+                </a:solidFill>
+                <a:latin typeface="Courier"/>
+                <a:cs typeface="Courier"/>
+              </a:rPr>
+              <a:t>A</a:t>
+            </a:r>
+            <a:r>
+              <a:rPr lang="en-US" sz="2000" kern="0" dirty="0">
+                <a:solidFill>
+                  <a:srgbClr val="FF0000"/>
+                </a:solidFill>
+                <a:latin typeface="Courier"/>
+                <a:cs typeface="Courier"/>
+              </a:rPr>
+              <a:t>T</a:t>
+            </a:r>
+            <a:r>
+              <a:rPr lang="en-US" sz="2000" kern="0" dirty="0">
+                <a:solidFill>
+                  <a:srgbClr val="FF9900"/>
+                </a:solidFill>
+                <a:latin typeface="Courier"/>
+                <a:cs typeface="Courier"/>
+              </a:rPr>
+              <a:t>G</a:t>
+            </a:r>
+            <a:endParaRPr lang="en-US" sz="2000" kern="0" dirty="0">
+              <a:latin typeface="Courier"/>
+              <a:cs typeface="Courier"/>
+            </a:endParaRPr>
+          </a:p>
+          <a:p>
+            <a:pPr marL="342891" indent="-342891">
+              <a:spcBef>
+                <a:spcPct val="20000"/>
+              </a:spcBef>
+            </a:pPr>
+            <a:r>
+              <a:rPr lang="en-US" sz="2000" kern="0" dirty="0">
+                <a:latin typeface="Courier"/>
+                <a:cs typeface="Courier"/>
+              </a:rPr>
+              <a:t>S5: </a:t>
+            </a:r>
+            <a:r>
+              <a:rPr lang="en-US" sz="2000" kern="0" dirty="0">
+                <a:solidFill>
+                  <a:srgbClr val="3366FF"/>
+                </a:solidFill>
+                <a:latin typeface="Courier"/>
+                <a:cs typeface="Courier"/>
+              </a:rPr>
+              <a:t>AA</a:t>
+            </a:r>
+            <a:r>
+              <a:rPr lang="en-US" sz="2000" kern="0" dirty="0">
+                <a:solidFill>
+                  <a:srgbClr val="008000"/>
+                </a:solidFill>
+                <a:latin typeface="Courier"/>
+                <a:cs typeface="Courier"/>
+              </a:rPr>
+              <a:t>C</a:t>
+            </a:r>
+            <a:r>
+              <a:rPr lang="en-US" sz="2000" kern="0" dirty="0">
+                <a:solidFill>
+                  <a:srgbClr val="FF0000"/>
+                </a:solidFill>
+                <a:latin typeface="Courier"/>
+                <a:cs typeface="Courier"/>
+              </a:rPr>
+              <a:t>T</a:t>
+            </a:r>
+            <a:r>
+              <a:rPr lang="en-US" sz="2000" kern="0" dirty="0">
+                <a:solidFill>
+                  <a:srgbClr val="FF9900"/>
+                </a:solidFill>
+                <a:latin typeface="Courier"/>
+                <a:cs typeface="Courier"/>
+              </a:rPr>
+              <a:t>G</a:t>
+            </a:r>
+            <a:endParaRPr lang="nl-BE" sz="2000" kern="0">
+              <a:latin typeface="Courier"/>
+              <a:cs typeface="Courier"/>
+            </a:endParaRPr>
+          </a:p>
+        </p:txBody>
+      </p:sp>
+      <p:sp>
+        <p:nvSpPr>
+          <p:cNvPr id="5" name="TextBox 4">
+            <a:extLst>
+              <a:ext uri="{FF2B5EF4-FFF2-40B4-BE49-F238E27FC236}">
+                <a16:creationId xmlns:a16="http://schemas.microsoft.com/office/drawing/2014/main" id="{048D8D91-9D3B-F9D2-FACB-7E8481E385D7}"/>
+              </a:ext>
+            </a:extLst>
+          </p:cNvPr>
+          <p:cNvSpPr txBox="1"/>
+          <p:nvPr/>
+        </p:nvSpPr>
+        <p:spPr>
+          <a:xfrm>
+            <a:off x="7824192" y="4621938"/>
+            <a:ext cx="2685351" cy="923330"/>
+          </a:xfrm>
+          <a:prstGeom prst="rect">
+            <a:avLst/>
+          </a:prstGeom>
+          <a:noFill/>
+        </p:spPr>
+        <p:txBody>
+          <a:bodyPr wrap="none" rtlCol="0">
+            <a:spAutoFit/>
+          </a:bodyPr>
+          <a:lstStyle/>
+          <a:p>
+            <a:r>
+              <a:rPr lang="en-GB" dirty="0"/>
+              <a:t>Total likelihood: 1225</a:t>
+            </a:r>
+          </a:p>
+          <a:p>
+            <a:endParaRPr lang="en-GB" dirty="0"/>
+          </a:p>
+          <a:p>
+            <a:r>
+              <a:rPr lang="en-GB" dirty="0"/>
+              <a:t>Repeat for new topology</a:t>
+            </a:r>
+          </a:p>
+        </p:txBody>
+      </p:sp>
+      <p:cxnSp>
+        <p:nvCxnSpPr>
+          <p:cNvPr id="6" name="Straight Arrow Connector 5">
+            <a:extLst>
+              <a:ext uri="{FF2B5EF4-FFF2-40B4-BE49-F238E27FC236}">
+                <a16:creationId xmlns:a16="http://schemas.microsoft.com/office/drawing/2014/main" id="{40A8C0A1-0A28-4C15-7DEE-8EC0EAD84578}"/>
+              </a:ext>
+            </a:extLst>
+          </p:cNvPr>
+          <p:cNvCxnSpPr/>
+          <p:nvPr/>
+        </p:nvCxnSpPr>
+        <p:spPr bwMode="auto">
+          <a:xfrm flipV="1">
+            <a:off x="4512932" y="5162198"/>
+            <a:ext cx="646964" cy="9035"/>
+          </a:xfrm>
+          <a:prstGeom prst="straightConnector1">
+            <a:avLst/>
+          </a:prstGeom>
+          <a:solidFill>
+            <a:schemeClr val="accent1"/>
+          </a:solidFill>
+          <a:ln w="9525" cap="flat" cmpd="sng" algn="ctr">
+            <a:solidFill>
+              <a:schemeClr val="tx1"/>
+            </a:solidFill>
+            <a:prstDash val="solid"/>
+            <a:round/>
+            <a:headEnd type="none" w="med" len="med"/>
+            <a:tailEnd type="arrow"/>
+          </a:ln>
+          <a:effectLst/>
+          <a:extLst>
+            <a:ext uri="{AF507438-7753-43e0-B8FC-AC1667EBCBE1}">
+              <a14:hiddenEffects xmlns="" xmlns:a14="http://schemas.microsoft.com/office/drawing/2010/main">
+                <a:effectLst>
+                  <a:outerShdw dist="35921" dir="2700000" algn="ctr" rotWithShape="0">
+                    <a:schemeClr val="bg2"/>
+                  </a:outerShdw>
+                </a:effectLst>
+              </a14:hiddenEffects>
+            </a:ext>
+          </a:extLst>
+        </p:spPr>
+      </p:cxnSp>
+      <p:cxnSp>
+        <p:nvCxnSpPr>
+          <p:cNvPr id="7" name="Straight Arrow Connector 6">
+            <a:extLst>
+              <a:ext uri="{FF2B5EF4-FFF2-40B4-BE49-F238E27FC236}">
+                <a16:creationId xmlns:a16="http://schemas.microsoft.com/office/drawing/2014/main" id="{A889B016-FBCC-E448-FE67-C01D26448F7D}"/>
+              </a:ext>
+            </a:extLst>
+          </p:cNvPr>
+          <p:cNvCxnSpPr/>
+          <p:nvPr/>
+        </p:nvCxnSpPr>
+        <p:spPr bwMode="auto">
+          <a:xfrm flipV="1">
+            <a:off x="7032104" y="5159663"/>
+            <a:ext cx="646964" cy="9035"/>
+          </a:xfrm>
+          <a:prstGeom prst="straightConnector1">
+            <a:avLst/>
+          </a:prstGeom>
+          <a:solidFill>
+            <a:schemeClr val="accent1"/>
+          </a:solidFill>
+          <a:ln w="9525" cap="flat" cmpd="sng" algn="ctr">
+            <a:solidFill>
+              <a:schemeClr val="tx1"/>
+            </a:solidFill>
+            <a:prstDash val="solid"/>
+            <a:round/>
+            <a:headEnd type="none" w="med" len="med"/>
+            <a:tailEnd type="arrow"/>
+          </a:ln>
+          <a:effectLst/>
+          <a:extLst>
+            <a:ext uri="{AF507438-7753-43e0-B8FC-AC1667EBCBE1}">
+              <a14:hiddenEffects xmlns="" xmlns:a14="http://schemas.microsoft.com/office/drawing/2010/main">
+                <a:effectLst>
+                  <a:outerShdw dist="35921" dir="2700000" algn="ctr" rotWithShape="0">
+                    <a:schemeClr val="bg2"/>
+                  </a:outerShdw>
+                </a:effectLst>
+              </a14:hiddenEffects>
+            </a:ext>
+          </a:extLst>
+        </p:spPr>
+      </p:cxnSp>
+      <p:cxnSp>
+        <p:nvCxnSpPr>
+          <p:cNvPr id="10" name="Straight Arrow Connector 9">
+            <a:extLst>
+              <a:ext uri="{FF2B5EF4-FFF2-40B4-BE49-F238E27FC236}">
+                <a16:creationId xmlns:a16="http://schemas.microsoft.com/office/drawing/2014/main" id="{9B57EAB6-0B38-F445-433F-5B0072702E2A}"/>
+              </a:ext>
+            </a:extLst>
+          </p:cNvPr>
+          <p:cNvCxnSpPr/>
+          <p:nvPr/>
+        </p:nvCxnSpPr>
+        <p:spPr bwMode="auto">
+          <a:xfrm flipH="1">
+            <a:off x="5702762" y="6316251"/>
+            <a:ext cx="216024" cy="216024"/>
+          </a:xfrm>
+          <a:prstGeom prst="straightConnector1">
+            <a:avLst/>
+          </a:prstGeom>
+          <a:solidFill>
+            <a:schemeClr val="accent1"/>
+          </a:solidFill>
+          <a:ln w="9525" cap="flat" cmpd="sng" algn="ctr">
+            <a:solidFill>
+              <a:schemeClr val="tx1"/>
+            </a:solidFill>
+            <a:prstDash val="solid"/>
+            <a:round/>
+            <a:headEnd type="none" w="med" len="med"/>
+            <a:tailEnd type="arrow"/>
+          </a:ln>
+          <a:effectLst/>
+          <a:extLst>
+            <a:ext uri="{AF507438-7753-43e0-B8FC-AC1667EBCBE1}">
+              <a14:hiddenEffects xmlns="" xmlns:a14="http://schemas.microsoft.com/office/drawing/2010/main">
+                <a:effectLst>
+                  <a:outerShdw dist="35921" dir="2700000" algn="ctr" rotWithShape="0">
+                    <a:schemeClr val="bg2"/>
+                  </a:outerShdw>
+                </a:effectLst>
+              </a14:hiddenEffects>
+            </a:ext>
+          </a:extLst>
+        </p:spPr>
+      </p:cxnSp>
+      <p:cxnSp>
+        <p:nvCxnSpPr>
+          <p:cNvPr id="11" name="Straight Arrow Connector 10">
+            <a:extLst>
+              <a:ext uri="{FF2B5EF4-FFF2-40B4-BE49-F238E27FC236}">
+                <a16:creationId xmlns:a16="http://schemas.microsoft.com/office/drawing/2014/main" id="{95B7536F-D309-E06E-E17B-E0D0ED8E2C48}"/>
+              </a:ext>
+            </a:extLst>
+          </p:cNvPr>
+          <p:cNvCxnSpPr/>
+          <p:nvPr/>
+        </p:nvCxnSpPr>
+        <p:spPr bwMode="auto">
+          <a:xfrm>
+            <a:off x="6114667" y="6302196"/>
+            <a:ext cx="89485" cy="144016"/>
+          </a:xfrm>
+          <a:prstGeom prst="straightConnector1">
+            <a:avLst/>
+          </a:prstGeom>
+          <a:solidFill>
+            <a:schemeClr val="accent1"/>
+          </a:solidFill>
+          <a:ln w="9525" cap="flat" cmpd="sng" algn="ctr">
+            <a:solidFill>
+              <a:schemeClr val="tx1"/>
+            </a:solidFill>
+            <a:prstDash val="solid"/>
+            <a:round/>
+            <a:headEnd type="none" w="med" len="med"/>
+            <a:tailEnd type="arrow"/>
+          </a:ln>
+          <a:effectLst/>
+          <a:extLst>
+            <a:ext uri="{AF507438-7753-43e0-B8FC-AC1667EBCBE1}">
+              <a14:hiddenEffects xmlns="" xmlns:a14="http://schemas.microsoft.com/office/drawing/2010/main">
+                <a:effectLst>
+                  <a:outerShdw dist="35921" dir="2700000" algn="ctr" rotWithShape="0">
+                    <a:schemeClr val="bg2"/>
+                  </a:outerShdw>
+                </a:effectLst>
+              </a14:hiddenEffects>
+            </a:ext>
+          </a:extLst>
+        </p:spPr>
+      </p:cxnSp>
+      <p:sp>
+        <p:nvSpPr>
+          <p:cNvPr id="12" name="TextBox 11">
+            <a:extLst>
+              <a:ext uri="{FF2B5EF4-FFF2-40B4-BE49-F238E27FC236}">
+                <a16:creationId xmlns:a16="http://schemas.microsoft.com/office/drawing/2014/main" id="{F09A387F-A80C-3767-1BC4-D3624DC530DF}"/>
+              </a:ext>
+            </a:extLst>
+          </p:cNvPr>
+          <p:cNvSpPr txBox="1"/>
+          <p:nvPr/>
+        </p:nvSpPr>
+        <p:spPr>
+          <a:xfrm>
+            <a:off x="5471920" y="6486051"/>
+            <a:ext cx="420308" cy="261610"/>
+          </a:xfrm>
+          <a:prstGeom prst="rect">
+            <a:avLst/>
+          </a:prstGeom>
+          <a:noFill/>
+        </p:spPr>
+        <p:txBody>
+          <a:bodyPr wrap="none" rtlCol="0">
+            <a:spAutoFit/>
+          </a:bodyPr>
+          <a:lstStyle/>
+          <a:p>
+            <a:r>
+              <a:rPr lang="en-GB" sz="1100" dirty="0"/>
+              <a:t>100</a:t>
+            </a:r>
+          </a:p>
+        </p:txBody>
+      </p:sp>
+      <p:sp>
+        <p:nvSpPr>
+          <p:cNvPr id="13" name="TextBox 12">
+            <a:extLst>
+              <a:ext uri="{FF2B5EF4-FFF2-40B4-BE49-F238E27FC236}">
+                <a16:creationId xmlns:a16="http://schemas.microsoft.com/office/drawing/2014/main" id="{5826C961-1F14-E997-079F-73B12E6F8583}"/>
+              </a:ext>
+            </a:extLst>
+          </p:cNvPr>
+          <p:cNvSpPr txBox="1"/>
+          <p:nvPr/>
+        </p:nvSpPr>
+        <p:spPr>
+          <a:xfrm>
+            <a:off x="5982043" y="6457407"/>
+            <a:ext cx="420308" cy="261610"/>
+          </a:xfrm>
+          <a:prstGeom prst="rect">
+            <a:avLst/>
+          </a:prstGeom>
+          <a:noFill/>
+        </p:spPr>
+        <p:txBody>
+          <a:bodyPr wrap="none" rtlCol="0">
+            <a:spAutoFit/>
+          </a:bodyPr>
+          <a:lstStyle/>
+          <a:p>
+            <a:r>
+              <a:rPr lang="en-GB" sz="1100" dirty="0"/>
+              <a:t>350</a:t>
+            </a:r>
+          </a:p>
+        </p:txBody>
+      </p:sp>
+      <p:sp>
+        <p:nvSpPr>
+          <p:cNvPr id="14" name="TextBox 13">
+            <a:extLst>
+              <a:ext uri="{FF2B5EF4-FFF2-40B4-BE49-F238E27FC236}">
+                <a16:creationId xmlns:a16="http://schemas.microsoft.com/office/drawing/2014/main" id="{0F996160-0538-C118-FAFF-24FA6D263FFF}"/>
+              </a:ext>
+            </a:extLst>
+          </p:cNvPr>
+          <p:cNvSpPr txBox="1"/>
+          <p:nvPr/>
+        </p:nvSpPr>
+        <p:spPr>
+          <a:xfrm>
+            <a:off x="6402501" y="6446212"/>
+            <a:ext cx="458780" cy="261610"/>
+          </a:xfrm>
+          <a:prstGeom prst="rect">
+            <a:avLst/>
+          </a:prstGeom>
+          <a:noFill/>
+        </p:spPr>
+        <p:txBody>
+          <a:bodyPr wrap="none" rtlCol="0">
+            <a:spAutoFit/>
+          </a:bodyPr>
+          <a:lstStyle/>
+          <a:p>
+            <a:r>
+              <a:rPr lang="en-GB" sz="1100" dirty="0"/>
+              <a:t>etc…</a:t>
+            </a:r>
+          </a:p>
+        </p:txBody>
+      </p:sp>
+    </p:spTree>
+    <p:extLst>
+      <p:ext uri="{BB962C8B-B14F-4D97-AF65-F5344CB8AC3E}">
+        <p14:creationId xmlns:p14="http://schemas.microsoft.com/office/powerpoint/2010/main" val="1374767438"/>
+      </p:ext>
+    </p:extLst>
+  </p:cSld>
+  <p:clrMapOvr>
+    <a:masterClrMapping/>
+  </p:clrMapOvr>
+</p:sld>
+</file>
+
+<file path=ppt/slides/slide41.xml><?xml version="1.0" encoding="utf-8"?>
+<p:sld xmlns:a="http://schemas.openxmlformats.org/drawingml/2006/main" xmlns:r="http://schemas.openxmlformats.org/officeDocument/2006/relationships" xmlns:p="http://schemas.openxmlformats.org/presentationml/2006/main">
+  <p:cSld>
+    <p:spTree>
+      <p:nvGrpSpPr>
+        <p:cNvPr id="1" name=""/>
+        <p:cNvGrpSpPr/>
+        <p:nvPr/>
+      </p:nvGrpSpPr>
+      <p:grpSpPr>
+        <a:xfrm>
+          <a:off x="0" y="0"/>
+          <a:ext cx="0" cy="0"/>
+          <a:chOff x="0" y="0"/>
+          <a:chExt cx="0" cy="0"/>
+        </a:xfrm>
+      </p:grpSpPr>
+      <p:sp>
+        <p:nvSpPr>
+          <p:cNvPr id="8" name="Title 1">
+            <a:extLst>
+              <a:ext uri="{FF2B5EF4-FFF2-40B4-BE49-F238E27FC236}">
+                <a16:creationId xmlns:a16="http://schemas.microsoft.com/office/drawing/2014/main" id="{551F150B-CD36-EC43-A80B-C4F967B90C86}"/>
+              </a:ext>
+            </a:extLst>
+          </p:cNvPr>
+          <p:cNvSpPr txBox="1">
+            <a:spLocks/>
+          </p:cNvSpPr>
+          <p:nvPr/>
+        </p:nvSpPr>
+        <p:spPr>
+          <a:xfrm>
+            <a:off x="442912" y="444398"/>
+            <a:ext cx="11306176" cy="681875"/>
+          </a:xfrm>
+          <a:prstGeom prst="rect">
+            <a:avLst/>
+          </a:prstGeom>
+        </p:spPr>
+        <p:txBody>
+          <a:bodyPr vert="horz" lIns="0" tIns="45720" rIns="91440" bIns="45720" rtlCol="0" anchor="ctr" anchorCtr="0">
+            <a:normAutofit fontScale="90000" lnSpcReduction="10000"/>
+          </a:bodyPr>
+          <a:lstStyle>
+            <a:lvl1pPr algn="l" defTabSz="914400" rtl="0" eaLnBrk="1" latinLnBrk="0" hangingPunct="1">
+              <a:lnSpc>
+                <a:spcPct val="100000"/>
+              </a:lnSpc>
+              <a:spcBef>
+                <a:spcPct val="0"/>
+              </a:spcBef>
+              <a:buNone/>
+              <a:defRPr sz="4400" b="1" kern="1200">
+                <a:solidFill>
+                  <a:srgbClr val="E6005B"/>
+                </a:solidFill>
+                <a:latin typeface="Arial" panose="020B0604020202020204" pitchFamily="34" charset="0"/>
+                <a:ea typeface="+mj-ea"/>
+                <a:cs typeface="Arial" panose="020B0604020202020204" pitchFamily="34" charset="0"/>
+              </a:defRPr>
+            </a:lvl1pPr>
+          </a:lstStyle>
+          <a:p>
+            <a:pPr algn="ctr"/>
+            <a:r>
+              <a:rPr lang="en-US" dirty="0">
+                <a:solidFill>
+                  <a:schemeClr val="accent1"/>
+                </a:solidFill>
+              </a:rPr>
+              <a:t>Bootstrapping</a:t>
+            </a:r>
+          </a:p>
+        </p:txBody>
+      </p:sp>
+      <p:sp>
+        <p:nvSpPr>
+          <p:cNvPr id="2" name="TextBox 1">
+            <a:extLst>
+              <a:ext uri="{FF2B5EF4-FFF2-40B4-BE49-F238E27FC236}">
+                <a16:creationId xmlns:a16="http://schemas.microsoft.com/office/drawing/2014/main" id="{A18A5017-86B8-8244-A6D6-22EB3CBB778D}"/>
+              </a:ext>
+            </a:extLst>
+          </p:cNvPr>
+          <p:cNvSpPr txBox="1"/>
+          <p:nvPr/>
+        </p:nvSpPr>
+        <p:spPr>
+          <a:xfrm>
+            <a:off x="1427356" y="3044283"/>
+            <a:ext cx="0" cy="0"/>
+          </a:xfrm>
+          <a:prstGeom prst="rect">
+            <a:avLst/>
+          </a:prstGeom>
+          <a:noFill/>
+        </p:spPr>
+        <p:txBody>
+          <a:bodyPr wrap="none" lIns="0" tIns="0" rIns="0" bIns="0" rtlCol="0" anchor="b" anchorCtr="0">
+            <a:normAutofit fontScale="25000" lnSpcReduction="20000"/>
+          </a:bodyPr>
+          <a:lstStyle/>
+          <a:p>
+            <a:pPr algn="r"/>
+            <a:endParaRPr lang="en-US" dirty="0"/>
+          </a:p>
+        </p:txBody>
+      </p:sp>
+      <p:sp>
+        <p:nvSpPr>
+          <p:cNvPr id="9" name="Tijdelijke aanduiding voor inhoud 5">
+            <a:extLst>
+              <a:ext uri="{FF2B5EF4-FFF2-40B4-BE49-F238E27FC236}">
+                <a16:creationId xmlns:a16="http://schemas.microsoft.com/office/drawing/2014/main" id="{236654F0-D29E-AE4F-A966-9762A2AB84EB}"/>
+              </a:ext>
+            </a:extLst>
+          </p:cNvPr>
+          <p:cNvSpPr>
+            <a:spLocks noGrp="1"/>
+          </p:cNvSpPr>
+          <p:nvPr>
+            <p:ph idx="1"/>
+          </p:nvPr>
+        </p:nvSpPr>
+        <p:spPr>
+          <a:xfrm>
+            <a:off x="987972" y="1222626"/>
+            <a:ext cx="10657490" cy="3725004"/>
+          </a:xfrm>
+        </p:spPr>
+        <p:txBody>
+          <a:bodyPr>
+            <a:normAutofit/>
+          </a:bodyPr>
+          <a:lstStyle/>
+          <a:p>
+            <a:r>
+              <a:rPr lang="nl-BE" sz="2000" dirty="0"/>
+              <a:t>Bootstrapping is a method to test the reliability of an inferred tree</a:t>
+            </a:r>
+          </a:p>
+          <a:p>
+            <a:r>
+              <a:rPr lang="nl-BE" sz="2000" dirty="0"/>
+              <a:t>Algorithm (for an alignment of M taxa and N columns):</a:t>
+            </a:r>
+          </a:p>
+          <a:p>
+            <a:pPr lvl="1"/>
+            <a:r>
+              <a:rPr lang="nl-BE" sz="1800" dirty="0"/>
+              <a:t>Create a new alignment of length N from original, sampling columns at random with replacement</a:t>
+            </a:r>
+          </a:p>
+          <a:p>
+            <a:pPr lvl="1"/>
+            <a:r>
+              <a:rPr lang="nl-BE" sz="1800" dirty="0"/>
+              <a:t>Create a new topology for this using the same method</a:t>
+            </a:r>
+          </a:p>
+          <a:p>
+            <a:pPr lvl="2"/>
+            <a:r>
+              <a:rPr lang="nl-BE" sz="1600" dirty="0"/>
+              <a:t>Often in ML analysis this is done with some extra heuristics to speed up the process</a:t>
+            </a:r>
+          </a:p>
+          <a:p>
+            <a:pPr lvl="1"/>
+            <a:r>
+              <a:rPr lang="nl-BE" sz="2000" dirty="0"/>
+              <a:t>Compare topology to original</a:t>
+            </a:r>
+          </a:p>
+          <a:p>
+            <a:pPr lvl="2"/>
+            <a:r>
+              <a:rPr lang="nl-BE" sz="1600" dirty="0"/>
+              <a:t>Every branch that is the same is given a score of 1, any that are not present are given a score of 0</a:t>
+            </a:r>
+          </a:p>
+          <a:p>
+            <a:r>
+              <a:rPr lang="nl-BE" sz="2000" dirty="0"/>
+              <a:t>Repeat hundred(s) of times and report as a percentage found for each branch</a:t>
+            </a:r>
+          </a:p>
+        </p:txBody>
+      </p:sp>
+      <p:pic>
+        <p:nvPicPr>
+          <p:cNvPr id="20" name="Picture 19" descr="njEx.pdf">
+            <a:extLst>
+              <a:ext uri="{FF2B5EF4-FFF2-40B4-BE49-F238E27FC236}">
+                <a16:creationId xmlns:a16="http://schemas.microsoft.com/office/drawing/2014/main" id="{48149C85-6F6C-7785-FB13-11554CE908E3}"/>
+              </a:ext>
+            </a:extLst>
+          </p:cNvPr>
+          <p:cNvPicPr>
+            <a:picLocks noChangeAspect="1"/>
+          </p:cNvPicPr>
+          <p:nvPr/>
+        </p:nvPicPr>
+        <p:blipFill>
+          <a:blip r:embed="rId3"/>
+          <a:stretch>
+            <a:fillRect/>
+          </a:stretch>
+        </p:blipFill>
+        <p:spPr>
+          <a:xfrm>
+            <a:off x="7596097" y="4425265"/>
+            <a:ext cx="2665404" cy="2178311"/>
+          </a:xfrm>
+          <a:prstGeom prst="rect">
+            <a:avLst/>
+          </a:prstGeom>
+        </p:spPr>
+      </p:pic>
+      <p:sp>
+        <p:nvSpPr>
+          <p:cNvPr id="21" name="Content Placeholder 4">
+            <a:extLst>
+              <a:ext uri="{FF2B5EF4-FFF2-40B4-BE49-F238E27FC236}">
+                <a16:creationId xmlns:a16="http://schemas.microsoft.com/office/drawing/2014/main" id="{8CD8AD2C-4B37-3AA9-C8BC-CED53B127666}"/>
+              </a:ext>
+            </a:extLst>
+          </p:cNvPr>
+          <p:cNvSpPr txBox="1">
+            <a:spLocks/>
+          </p:cNvSpPr>
+          <p:nvPr/>
+        </p:nvSpPr>
+        <p:spPr bwMode="auto">
+          <a:xfrm>
+            <a:off x="4681388" y="4425265"/>
+            <a:ext cx="1872208" cy="2432735"/>
           </a:xfrm>
           <a:prstGeom prst="rect">
             <a:avLst/>
@@ -31393,24 +32318,34 @@
               </a:spcBef>
             </a:pPr>
             <a:r>
-              <a:rPr lang="en-US" sz="2000" kern="0" dirty="0">
+              <a:rPr lang="en-US" sz="2400" kern="0" dirty="0">
                 <a:latin typeface="Courier"/>
                 <a:cs typeface="Courier"/>
               </a:rPr>
               <a:t>S1: </a:t>
             </a:r>
             <a:r>
-              <a:rPr lang="en-US" sz="2000" kern="0" dirty="0">
+              <a:rPr lang="en-US" sz="2400" kern="0" dirty="0">
                 <a:solidFill>
-                  <a:srgbClr val="FF0000"/>
+                  <a:srgbClr val="FF9900"/>
                 </a:solidFill>
                 <a:latin typeface="Courier"/>
                 <a:cs typeface="Courier"/>
               </a:rPr>
-              <a:t>TT</a:t>
-            </a:r>
-            <a:r>
-              <a:rPr lang="en-US" sz="2000" kern="0" dirty="0">
+              <a:t>G</a:t>
+            </a:r>
+            <a:r>
+              <a:rPr lang="en-US" sz="2400" kern="0" dirty="0">
+                <a:solidFill>
+                  <a:srgbClr val="3366FF"/>
+                </a:solidFill>
+                <a:latin typeface="Courier"/>
+                <a:cs typeface="Courier"/>
+              </a:rPr>
+              <a:t>A</a:t>
+            </a:r>
+            <a:r>
+              <a:rPr lang="en-US" sz="2400" kern="0" dirty="0">
                 <a:solidFill>
                   <a:srgbClr val="008000"/>
                 </a:solidFill>
@@ -31420,7 +32355,7 @@
               <a:t>C</a:t>
             </a:r>
             <a:r>
-              <a:rPr lang="en-US" sz="2000" kern="0" dirty="0">
+              <a:rPr lang="en-US" sz="2400" kern="0" dirty="0">
                 <a:solidFill>
                   <a:srgbClr val="3366FF"/>
                 </a:solidFill>
@@ -31430,7 +32365,58 @@
               <a:t>A</a:t>
             </a:r>
             <a:r>
-              <a:rPr lang="en-US" sz="2000" kern="0" dirty="0">
+              <a:rPr lang="en-US" sz="2400" kern="0" dirty="0">
+                <a:solidFill>
+                  <a:srgbClr val="008000"/>
+                </a:solidFill>
+                <a:latin typeface="Courier"/>
+                <a:cs typeface="Courier"/>
+              </a:rPr>
+              <a:t>C</a:t>
+            </a:r>
+            <a:endParaRPr lang="en-US" sz="2400" kern="0" dirty="0">
+              <a:solidFill>
+                <a:srgbClr val="FF9900"/>
+              </a:solidFill>
+              <a:latin typeface="Courier"/>
+              <a:cs typeface="Courier"/>
+            </a:endParaRPr>
+          </a:p>
+          <a:p>
+            <a:pPr marL="342891" indent="-342891">
+              <a:spcBef>
+                <a:spcPct val="20000"/>
+              </a:spcBef>
+            </a:pPr>
+            <a:r>
+              <a:rPr lang="en-US" sz="2400" kern="0" dirty="0">
+                <a:latin typeface="Courier"/>
+                <a:cs typeface="Courier"/>
+              </a:rPr>
+              <a:t>S2: </a:t>
+            </a:r>
+            <a:r>
+              <a:rPr lang="en-US" sz="2400" kern="0" dirty="0">
+                <a:solidFill>
+                  <a:srgbClr val="FF9900"/>
+                </a:solidFill>
+                <a:latin typeface="Courier"/>
+                <a:cs typeface="Courier"/>
+              </a:rPr>
+              <a:t>GG</a:t>
+            </a:r>
+            <a:r>
+              <a:rPr lang="en-US" sz="2400" kern="0" dirty="0">
+                <a:solidFill>
+                  <a:srgbClr val="008000"/>
+                </a:solidFill>
+                <a:latin typeface="Courier"/>
+                <a:cs typeface="Courier"/>
+              </a:rPr>
+              <a:t>C</a:t>
+            </a:r>
+            <a:r>
+              <a:rPr lang="en-US" sz="2400" kern="0" dirty="0">
                 <a:solidFill>
                   <a:srgbClr val="FF9900"/>
                 </a:solidFill>
@@ -31439,32 +32425,8 @@
               </a:rPr>
               <a:t>G</a:t>
             </a:r>
-          </a:p>
-          <a:p>
-            <a:pPr marL="342891" indent="-342891">
-              <a:spcBef>
-                <a:spcPct val="20000"/>
-              </a:spcBef>
-            </a:pPr>
-            <a:r>
-              <a:rPr lang="en-US" sz="2000" kern="0" dirty="0">
-                <a:latin typeface="Courier"/>
-                <a:cs typeface="Courier"/>
-              </a:rPr>
-              <a:t>S2: </a:t>
-            </a:r>
-            <a:r>
-              <a:rPr lang="en-US" sz="2000" kern="0" dirty="0">
-                <a:solidFill>
-                  <a:srgbClr val="FF0000"/>
-                </a:solidFill>
-                <a:latin typeface="Courier"/>
-                <a:cs typeface="Courier"/>
-              </a:rPr>
-              <a:t>TT</a:t>
-            </a:r>
-            <a:r>
-              <a:rPr lang="en-US" sz="2000" kern="0" dirty="0">
+            <a:r>
+              <a:rPr lang="en-US" sz="2400" kern="0" dirty="0">
                 <a:solidFill>
                   <a:srgbClr val="008000"/>
                 </a:solidFill>
@@ -31473,17 +32435,45 @@
               </a:rPr>
               <a:t>C</a:t>
             </a:r>
-            <a:r>
-              <a:rPr lang="en-US" sz="2000" kern="0" dirty="0">
+            <a:endParaRPr lang="en-US" sz="2400" kern="0" dirty="0">
+              <a:latin typeface="Courier"/>
+              <a:cs typeface="Courier"/>
+            </a:endParaRPr>
+          </a:p>
+          <a:p>
+            <a:pPr marL="342891" indent="-342891">
+              <a:spcBef>
+                <a:spcPct val="20000"/>
+              </a:spcBef>
+            </a:pPr>
+            <a:r>
+              <a:rPr lang="en-US" sz="2400" kern="0" dirty="0">
+                <a:latin typeface="Courier"/>
+                <a:cs typeface="Courier"/>
+              </a:rPr>
+              <a:t>S3: </a:t>
+            </a:r>
+            <a:r>
+              <a:rPr lang="en-US" sz="2400" kern="0" dirty="0">
                 <a:solidFill>
                   <a:srgbClr val="FF9900"/>
                 </a:solidFill>
                 <a:latin typeface="Courier"/>
                 <a:cs typeface="Courier"/>
               </a:rPr>
-              <a:t>GG</a:t>
-            </a:r>
-            <a:endParaRPr lang="en-US" sz="2000" kern="0" dirty="0">
+              <a:t>G</a:t>
+            </a:r>
+            <a:r>
+              <a:rPr lang="en-US" sz="2400" kern="0" dirty="0">
+                <a:solidFill>
+                  <a:srgbClr val="FF0000"/>
+                </a:solidFill>
+                <a:latin typeface="Courier"/>
+                <a:cs typeface="Courier"/>
+              </a:rPr>
+              <a:t>TTTT</a:t>
+            </a:r>
+            <a:endParaRPr lang="en-US" sz="2400" kern="0" dirty="0">
               <a:latin typeface="Courier"/>
               <a:cs typeface="Courier"/>
             </a:endParaRPr>
@@ -31495,14 +32485,24 @@
               </a:spcBef>
             </a:pPr>
             <a:r>
-              <a:rPr lang="en-US" sz="2000" kern="0" dirty="0">
+              <a:rPr lang="en-US" sz="2400" kern="0" dirty="0">
                 <a:latin typeface="Courier"/>
                 <a:cs typeface="Courier"/>
               </a:rPr>
-              <a:t>S3: </a:t>
-            </a:r>
-            <a:r>
-              <a:rPr lang="en-US" sz="2000" kern="0" dirty="0">
+              <a:t>S4: </a:t>
+            </a:r>
+            <a:r>
+              <a:rPr lang="en-US" sz="2400" kern="0" dirty="0">
+                <a:solidFill>
+                  <a:srgbClr val="FF9900"/>
+                </a:solidFill>
+                <a:latin typeface="Courier"/>
+                <a:cs typeface="Courier"/>
+              </a:rPr>
+              <a:t>G</a:t>
+            </a:r>
+            <a:r>
+              <a:rPr lang="en-US" sz="2400" kern="0" dirty="0">
                 <a:solidFill>
                   <a:srgbClr val="FF0000"/>
                 </a:solidFill>
@@ -31512,7 +32512,55 @@
               <a:t>T</a:t>
             </a:r>
             <a:r>
-              <a:rPr lang="en-US" sz="2000" kern="0" dirty="0">
+              <a:rPr lang="en-US" sz="2400" kern="0" dirty="0">
+                <a:solidFill>
+                  <a:srgbClr val="3366FF"/>
+                </a:solidFill>
+                <a:latin typeface="Courier"/>
+                <a:cs typeface="Courier"/>
+              </a:rPr>
+              <a:t>A</a:t>
+            </a:r>
+            <a:r>
+              <a:rPr lang="en-US" sz="2400" kern="0" dirty="0">
+                <a:solidFill>
+                  <a:srgbClr val="FF0000"/>
+                </a:solidFill>
+                <a:latin typeface="Courier"/>
+                <a:cs typeface="Courier"/>
+              </a:rPr>
+              <a:t>T</a:t>
+            </a:r>
+            <a:r>
+              <a:rPr lang="en-US" sz="2400" kern="0" dirty="0">
+                <a:solidFill>
+                  <a:srgbClr val="3366FF"/>
+                </a:solidFill>
+                <a:latin typeface="Courier"/>
+                <a:cs typeface="Courier"/>
+              </a:rPr>
+              <a:t>A</a:t>
+            </a:r>
+            <a:endParaRPr lang="en-US" sz="2400" kern="0" dirty="0">
+              <a:latin typeface="Courier"/>
+              <a:cs typeface="Courier"/>
+            </a:endParaRPr>
+          </a:p>
+          <a:p>
+            <a:pPr marL="342891" indent="-342891">
+              <a:spcBef>
+                <a:spcPct val="20000"/>
+              </a:spcBef>
+            </a:pPr>
+            <a:r>
+              <a:rPr lang="en-US" sz="2400" kern="0" dirty="0">
+                <a:latin typeface="Courier"/>
+                <a:cs typeface="Courier"/>
+              </a:rPr>
+              <a:t>S5: </a:t>
+            </a:r>
+            <a:r>
+              <a:rPr lang="en-US" sz="2400" kern="0" dirty="0">
                 <a:solidFill>
                   <a:srgbClr val="FF9900"/>
                 </a:solidFill>
@@ -31522,45 +32570,7 @@
               <a:t>G</a:t>
             </a:r>
             <a:r>
-              <a:rPr lang="en-US" sz="2000" kern="0" dirty="0">
-                <a:solidFill>
-                  <a:srgbClr val="FF0000"/>
-                </a:solidFill>
-                <a:latin typeface="Courier"/>
-                <a:cs typeface="Courier"/>
-              </a:rPr>
-              <a:t>TT</a:t>
-            </a:r>
-            <a:r>
-              <a:rPr lang="en-US" sz="2000" kern="0" dirty="0">
-                <a:solidFill>
-                  <a:srgbClr val="FF9900"/>
-                </a:solidFill>
-                <a:latin typeface="Courier"/>
-                <a:cs typeface="Courier"/>
-              </a:rPr>
-              <a:t>G</a:t>
-            </a:r>
-            <a:endParaRPr lang="en-US" sz="2000" kern="0" dirty="0">
-              <a:latin typeface="Courier"/>
-              <a:cs typeface="Courier"/>
-            </a:endParaRPr>
-          </a:p>
-          <a:p>
-            <a:pPr marL="342891" indent="-342891">
-              <a:spcBef>
-                <a:spcPct val="20000"/>
-              </a:spcBef>
-            </a:pPr>
-            <a:r>
-              <a:rPr lang="en-US" sz="2000" kern="0" dirty="0">
-                <a:latin typeface="Courier"/>
-                <a:cs typeface="Courier"/>
-              </a:rPr>
-              <a:t>S4: </a:t>
-            </a:r>
-            <a:r>
-              <a:rPr lang="en-US" sz="2000" kern="0" dirty="0">
+              <a:rPr lang="en-US" sz="2400" kern="0" dirty="0">
                 <a:solidFill>
                   <a:srgbClr val="FF0000"/>
                 </a:solidFill>
@@ -31570,27 +32580,17 @@
               <a:t>T</a:t>
             </a:r>
             <a:r>
-              <a:rPr lang="en-US" sz="2000" kern="0" dirty="0">
+              <a:rPr lang="en-US" sz="2400" kern="0" dirty="0">
                 <a:solidFill>
-                  <a:srgbClr val="FF9900"/>
+                  <a:srgbClr val="008000"/>
                 </a:solidFill>
                 <a:latin typeface="Courier"/>
                 <a:cs typeface="Courier"/>
               </a:rPr>
-              <a:t>G</a:t>
-            </a:r>
-            <a:r>
-              <a:rPr lang="en-US" sz="2000" kern="0" dirty="0">
-                <a:solidFill>
-                  <a:srgbClr val="3366FF"/>
-                </a:solidFill>
-                <a:latin typeface="Courier"/>
-                <a:cs typeface="Courier"/>
-              </a:rPr>
-              <a:t>A</a:t>
-            </a:r>
-            <a:r>
-              <a:rPr lang="en-US" sz="2000" kern="0" dirty="0">
+              <a:t>C</a:t>
+            </a:r>
+            <a:r>
+              <a:rPr lang="en-US" sz="2400" kern="0" dirty="0">
                 <a:solidFill>
                   <a:srgbClr val="FF0000"/>
                 </a:solidFill>
@@ -31600,45 +32600,7 @@
               <a:t>T</a:t>
             </a:r>
             <a:r>
-              <a:rPr lang="en-US" sz="2000" kern="0" dirty="0">
-                <a:solidFill>
-                  <a:srgbClr val="FF9900"/>
-                </a:solidFill>
-                <a:latin typeface="Courier"/>
-                <a:cs typeface="Courier"/>
-              </a:rPr>
-              <a:t>G</a:t>
-            </a:r>
-            <a:endParaRPr lang="en-US" sz="2000" kern="0" dirty="0">
-              <a:latin typeface="Courier"/>
-              <a:cs typeface="Courier"/>
-            </a:endParaRPr>
-          </a:p>
-          <a:p>
-            <a:pPr marL="342891" indent="-342891">
-              <a:spcBef>
-                <a:spcPct val="20000"/>
-              </a:spcBef>
-            </a:pPr>
-            <a:r>
-              <a:rPr lang="en-US" sz="2000" kern="0" dirty="0">
-                <a:latin typeface="Courier"/>
-                <a:cs typeface="Courier"/>
-              </a:rPr>
-              <a:t>S5: </a:t>
-            </a:r>
-            <a:r>
-              <a:rPr lang="en-US" sz="2000" kern="0" dirty="0">
-                <a:solidFill>
-                  <a:srgbClr val="3366FF"/>
-                </a:solidFill>
-                <a:latin typeface="Courier"/>
-                <a:cs typeface="Courier"/>
-              </a:rPr>
-              <a:t>AA</a:t>
-            </a:r>
-            <a:r>
-              <a:rPr lang="en-US" sz="2000" kern="0" dirty="0">
+              <a:rPr lang="en-US" sz="2400" kern="0" dirty="0">
                 <a:solidFill>
                   <a:srgbClr val="008000"/>
                 </a:solidFill>
@@ -31647,83 +32609,19 @@
               </a:rPr>
               <a:t>C</a:t>
             </a:r>
-            <a:r>
-              <a:rPr lang="en-US" sz="2000" kern="0" dirty="0">
-                <a:solidFill>
-                  <a:srgbClr val="FF0000"/>
-                </a:solidFill>
-                <a:latin typeface="Courier"/>
-                <a:cs typeface="Courier"/>
-              </a:rPr>
-              <a:t>T</a:t>
-            </a:r>
-            <a:r>
-              <a:rPr lang="en-US" sz="2000" kern="0" dirty="0">
-                <a:solidFill>
-                  <a:srgbClr val="FF9900"/>
-                </a:solidFill>
-                <a:latin typeface="Courier"/>
-                <a:cs typeface="Courier"/>
-              </a:rPr>
-              <a:t>G</a:t>
-            </a:r>
-            <a:endParaRPr lang="nl-BE" sz="2000" kern="0">
+            <a:endParaRPr lang="nl-BE" sz="2400" kern="0">
               <a:latin typeface="Courier"/>
               <a:cs typeface="Courier"/>
             </a:endParaRPr>
           </a:p>
         </p:txBody>
       </p:sp>
-      <p:sp>
-        <p:nvSpPr>
-          <p:cNvPr id="5" name="TextBox 4">
-            <a:extLst>
-              <a:ext uri="{FF2B5EF4-FFF2-40B4-BE49-F238E27FC236}">
-                <a16:creationId xmlns:a16="http://schemas.microsoft.com/office/drawing/2014/main" id="{048D8D91-9D3B-F9D2-FACB-7E8481E385D7}"/>
-              </a:ext>
-            </a:extLst>
-          </p:cNvPr>
-          <p:cNvSpPr txBox="1"/>
-          <p:nvPr/>
-        </p:nvSpPr>
-        <p:spPr>
-          <a:xfrm>
-            <a:off x="7824192" y="4621938"/>
-            <a:ext cx="2685351" cy="923330"/>
-          </a:xfrm>
-          <a:prstGeom prst="rect">
-            <a:avLst/>
-          </a:prstGeom>
-          <a:noFill/>
-        </p:spPr>
-        <p:txBody>
-          <a:bodyPr wrap="none" rtlCol="0">
-            <a:spAutoFit/>
-          </a:bodyPr>
-          <a:lstStyle/>
-          <a:p>
-            <a:r>
-              <a:rPr lang="en-GB" dirty="0"/>
-              <a:t>Total likelihood: 1225</a:t>
-            </a:r>
-          </a:p>
-          <a:p>
-            <a:endParaRPr lang="en-GB" dirty="0"/>
-          </a:p>
-          <a:p>
-            <a:r>
-              <a:rPr lang="en-GB" dirty="0"/>
-              <a:t>Repeat for new topology</a:t>
-            </a:r>
-          </a:p>
-        </p:txBody>
-      </p:sp>
       <p:cxnSp>
         <p:nvCxnSpPr>
-          <p:cNvPr id="6" name="Straight Arrow Connector 5">
-            <a:extLst>
-              <a:ext uri="{FF2B5EF4-FFF2-40B4-BE49-F238E27FC236}">
-                <a16:creationId xmlns:a16="http://schemas.microsoft.com/office/drawing/2014/main" id="{40A8C0A1-0A28-4C15-7DEE-8EC0EAD84578}"/>
+          <p:cNvPr id="22" name="Straight Arrow Connector 21">
+            <a:extLst>
+              <a:ext uri="{FF2B5EF4-FFF2-40B4-BE49-F238E27FC236}">
+                <a16:creationId xmlns:a16="http://schemas.microsoft.com/office/drawing/2014/main" id="{BA6FC4FC-B7AE-6180-9DBF-63C369722D76}"/>
               </a:ext>
             </a:extLst>
           </p:cNvPr>
@@ -31732,7 +32630,7 @@
         </p:nvCxnSpPr>
         <p:spPr bwMode="auto">
           <a:xfrm flipV="1">
-            <a:off x="4512932" y="5162198"/>
+            <a:off x="6481589" y="5505384"/>
             <a:ext cx="646964" cy="9035"/>
           </a:xfrm>
           <a:prstGeom prst="straightConnector1">
@@ -31764,12 +32662,363 @@
           </a:extLst>
         </p:spPr>
       </p:cxnSp>
+      <p:sp>
+        <p:nvSpPr>
+          <p:cNvPr id="23" name="Content Placeholder 4">
+            <a:extLst>
+              <a:ext uri="{FF2B5EF4-FFF2-40B4-BE49-F238E27FC236}">
+                <a16:creationId xmlns:a16="http://schemas.microsoft.com/office/drawing/2014/main" id="{B1B919AD-7518-87C7-71E1-2B7DDA5A2066}"/>
+              </a:ext>
+            </a:extLst>
+          </p:cNvPr>
+          <p:cNvSpPr txBox="1">
+            <a:spLocks/>
+          </p:cNvSpPr>
+          <p:nvPr/>
+        </p:nvSpPr>
+        <p:spPr bwMode="auto">
+          <a:xfrm>
+            <a:off x="1801068" y="4353257"/>
+            <a:ext cx="1872208" cy="2432735"/>
+          </a:xfrm>
+          <a:prstGeom prst="rect">
+            <a:avLst/>
+          </a:prstGeom>
+          <a:noFill/>
+          <a:ln>
+            <a:noFill/>
+          </a:ln>
+          <a:effectLst/>
+          <a:extLst>
+            <a:ext uri="{909E8E84-426E-40dd-AFC4-6F175D3DCCD1}">
+              <a14:hiddenFill xmlns:a14="http://schemas.microsoft.com/office/drawing/2010/main" xmlns="">
+                <a:solidFill>
+                  <a:schemeClr val="accent1"/>
+                </a:solidFill>
+              </a14:hiddenFill>
+            </a:ext>
+            <a:ext uri="{91240B29-F687-4f45-9708-019B960494DF}">
+              <a14:hiddenLine xmlns:a14="http://schemas.microsoft.com/office/drawing/2010/main" xmlns="" w="9525">
+                <a:solidFill>
+                  <a:schemeClr val="tx1"/>
+                </a:solidFill>
+                <a:miter lim="800000"/>
+                <a:headEnd/>
+                <a:tailEnd/>
+              </a14:hiddenLine>
+            </a:ext>
+            <a:ext uri="{AF507438-7753-43e0-B8FC-AC1667EBCBE1}">
+              <a14:hiddenEffects xmlns:a14="http://schemas.microsoft.com/office/drawing/2010/main" xmlns="">
+                <a:effectLst>
+                  <a:outerShdw dist="35921" dir="2700000" algn="ctr" rotWithShape="0">
+                    <a:schemeClr val="bg2"/>
+                  </a:outerShdw>
+                </a:effectLst>
+              </a14:hiddenEffects>
+            </a:ext>
+          </a:extLst>
+        </p:spPr>
+        <p:txBody>
+          <a:bodyPr vert="horz" wrap="square" lIns="91440" tIns="45720" rIns="91440" bIns="45720" numCol="1" anchor="t" anchorCtr="0" compatLnSpc="1">
+            <a:prstTxWarp prst="textNoShape">
+              <a:avLst/>
+            </a:prstTxWarp>
+          </a:bodyPr>
+          <a:lstStyle/>
+          <a:p>
+            <a:pPr marL="342891" indent="-342891">
+              <a:spcBef>
+                <a:spcPct val="20000"/>
+              </a:spcBef>
+            </a:pPr>
+            <a:r>
+              <a:rPr lang="en-US" sz="2400" kern="0" dirty="0">
+                <a:latin typeface="Courier"/>
+                <a:cs typeface="Courier"/>
+              </a:rPr>
+              <a:t>S1: </a:t>
+            </a:r>
+            <a:r>
+              <a:rPr lang="en-US" sz="2400" kern="0" dirty="0">
+                <a:solidFill>
+                  <a:srgbClr val="FF0000"/>
+                </a:solidFill>
+                <a:latin typeface="Courier"/>
+                <a:cs typeface="Courier"/>
+              </a:rPr>
+              <a:t>TT</a:t>
+            </a:r>
+            <a:r>
+              <a:rPr lang="en-US" sz="2400" kern="0" dirty="0">
+                <a:solidFill>
+                  <a:srgbClr val="008000"/>
+                </a:solidFill>
+                <a:latin typeface="Courier"/>
+                <a:cs typeface="Courier"/>
+              </a:rPr>
+              <a:t>C</a:t>
+            </a:r>
+            <a:r>
+              <a:rPr lang="en-US" sz="2400" kern="0" dirty="0">
+                <a:solidFill>
+                  <a:srgbClr val="3366FF"/>
+                </a:solidFill>
+                <a:latin typeface="Courier"/>
+                <a:cs typeface="Courier"/>
+              </a:rPr>
+              <a:t>A</a:t>
+            </a:r>
+            <a:r>
+              <a:rPr lang="en-US" sz="2400" kern="0" dirty="0">
+                <a:solidFill>
+                  <a:srgbClr val="FF9900"/>
+                </a:solidFill>
+                <a:latin typeface="Courier"/>
+                <a:cs typeface="Courier"/>
+              </a:rPr>
+              <a:t>G</a:t>
+            </a:r>
+          </a:p>
+          <a:p>
+            <a:pPr marL="342891" indent="-342891">
+              <a:spcBef>
+                <a:spcPct val="20000"/>
+              </a:spcBef>
+            </a:pPr>
+            <a:r>
+              <a:rPr lang="en-US" sz="2400" kern="0" dirty="0">
+                <a:latin typeface="Courier"/>
+                <a:cs typeface="Courier"/>
+              </a:rPr>
+              <a:t>S2: </a:t>
+            </a:r>
+            <a:r>
+              <a:rPr lang="en-US" sz="2400" kern="0" dirty="0">
+                <a:solidFill>
+                  <a:srgbClr val="FF0000"/>
+                </a:solidFill>
+                <a:latin typeface="Courier"/>
+                <a:cs typeface="Courier"/>
+              </a:rPr>
+              <a:t>TT</a:t>
+            </a:r>
+            <a:r>
+              <a:rPr lang="en-US" sz="2400" kern="0" dirty="0">
+                <a:solidFill>
+                  <a:srgbClr val="008000"/>
+                </a:solidFill>
+                <a:latin typeface="Courier"/>
+                <a:cs typeface="Courier"/>
+              </a:rPr>
+              <a:t>C</a:t>
+            </a:r>
+            <a:r>
+              <a:rPr lang="en-US" sz="2400" kern="0" dirty="0">
+                <a:solidFill>
+                  <a:srgbClr val="FF9900"/>
+                </a:solidFill>
+                <a:latin typeface="Courier"/>
+                <a:cs typeface="Courier"/>
+              </a:rPr>
+              <a:t>GG</a:t>
+            </a:r>
+            <a:endParaRPr lang="en-US" sz="2400" kern="0" dirty="0">
+              <a:latin typeface="Courier"/>
+              <a:cs typeface="Courier"/>
+            </a:endParaRPr>
+          </a:p>
+          <a:p>
+            <a:pPr marL="342891" indent="-342891">
+              <a:spcBef>
+                <a:spcPct val="20000"/>
+              </a:spcBef>
+            </a:pPr>
+            <a:r>
+              <a:rPr lang="en-US" sz="2400" kern="0" dirty="0">
+                <a:latin typeface="Courier"/>
+                <a:cs typeface="Courier"/>
+              </a:rPr>
+              <a:t>S3: </a:t>
+            </a:r>
+            <a:r>
+              <a:rPr lang="en-US" sz="2400" kern="0" dirty="0">
+                <a:solidFill>
+                  <a:srgbClr val="FF0000"/>
+                </a:solidFill>
+                <a:latin typeface="Courier"/>
+                <a:cs typeface="Courier"/>
+              </a:rPr>
+              <a:t>T</a:t>
+            </a:r>
+            <a:r>
+              <a:rPr lang="en-US" sz="2400" kern="0" dirty="0">
+                <a:solidFill>
+                  <a:srgbClr val="FF9900"/>
+                </a:solidFill>
+                <a:latin typeface="Courier"/>
+                <a:cs typeface="Courier"/>
+              </a:rPr>
+              <a:t>G</a:t>
+            </a:r>
+            <a:r>
+              <a:rPr lang="en-US" sz="2400" kern="0" dirty="0">
+                <a:solidFill>
+                  <a:srgbClr val="FF0000"/>
+                </a:solidFill>
+                <a:latin typeface="Courier"/>
+                <a:cs typeface="Courier"/>
+              </a:rPr>
+              <a:t>TT</a:t>
+            </a:r>
+            <a:r>
+              <a:rPr lang="en-US" sz="2400" kern="0" dirty="0">
+                <a:solidFill>
+                  <a:srgbClr val="FF9900"/>
+                </a:solidFill>
+                <a:latin typeface="Courier"/>
+                <a:cs typeface="Courier"/>
+              </a:rPr>
+              <a:t>G</a:t>
+            </a:r>
+            <a:endParaRPr lang="en-US" sz="2400" kern="0" dirty="0">
+              <a:latin typeface="Courier"/>
+              <a:cs typeface="Courier"/>
+            </a:endParaRPr>
+          </a:p>
+          <a:p>
+            <a:pPr marL="342891" indent="-342891">
+              <a:spcBef>
+                <a:spcPct val="20000"/>
+              </a:spcBef>
+            </a:pPr>
+            <a:r>
+              <a:rPr lang="en-US" sz="2400" kern="0" dirty="0">
+                <a:latin typeface="Courier"/>
+                <a:cs typeface="Courier"/>
+              </a:rPr>
+              <a:t>S4: </a:t>
+            </a:r>
+            <a:r>
+              <a:rPr lang="en-US" sz="2400" kern="0" dirty="0">
+                <a:solidFill>
+                  <a:srgbClr val="FF0000"/>
+                </a:solidFill>
+                <a:latin typeface="Courier"/>
+                <a:cs typeface="Courier"/>
+              </a:rPr>
+              <a:t>T</a:t>
+            </a:r>
+            <a:r>
+              <a:rPr lang="en-US" sz="2400" kern="0" dirty="0">
+                <a:solidFill>
+                  <a:srgbClr val="FF9900"/>
+                </a:solidFill>
+                <a:latin typeface="Courier"/>
+                <a:cs typeface="Courier"/>
+              </a:rPr>
+              <a:t>G</a:t>
+            </a:r>
+            <a:r>
+              <a:rPr lang="en-US" sz="2400" kern="0" dirty="0">
+                <a:solidFill>
+                  <a:srgbClr val="3366FF"/>
+                </a:solidFill>
+                <a:latin typeface="Courier"/>
+                <a:cs typeface="Courier"/>
+              </a:rPr>
+              <a:t>A</a:t>
+            </a:r>
+            <a:r>
+              <a:rPr lang="en-US" sz="2400" kern="0" dirty="0">
+                <a:solidFill>
+                  <a:srgbClr val="FF0000"/>
+                </a:solidFill>
+                <a:latin typeface="Courier"/>
+                <a:cs typeface="Courier"/>
+              </a:rPr>
+              <a:t>T</a:t>
+            </a:r>
+            <a:r>
+              <a:rPr lang="en-US" sz="2400" kern="0" dirty="0">
+                <a:solidFill>
+                  <a:srgbClr val="FF9900"/>
+                </a:solidFill>
+                <a:latin typeface="Courier"/>
+                <a:cs typeface="Courier"/>
+              </a:rPr>
+              <a:t>G</a:t>
+            </a:r>
+            <a:endParaRPr lang="en-US" sz="2400" kern="0" dirty="0">
+              <a:latin typeface="Courier"/>
+              <a:cs typeface="Courier"/>
+            </a:endParaRPr>
+          </a:p>
+          <a:p>
+            <a:pPr marL="342891" indent="-342891">
+              <a:spcBef>
+                <a:spcPct val="20000"/>
+              </a:spcBef>
+            </a:pPr>
+            <a:r>
+              <a:rPr lang="en-US" sz="2400" kern="0" dirty="0">
+                <a:latin typeface="Courier"/>
+                <a:cs typeface="Courier"/>
+              </a:rPr>
+              <a:t>S5: </a:t>
+            </a:r>
+            <a:r>
+              <a:rPr lang="en-US" sz="2400" kern="0" dirty="0">
+                <a:solidFill>
+                  <a:srgbClr val="3366FF"/>
+                </a:solidFill>
+                <a:latin typeface="Courier"/>
+                <a:cs typeface="Courier"/>
+              </a:rPr>
+              <a:t>AA</a:t>
+            </a:r>
+            <a:r>
+              <a:rPr lang="en-US" sz="2400" kern="0" dirty="0">
+                <a:solidFill>
+                  <a:srgbClr val="008000"/>
+                </a:solidFill>
+                <a:latin typeface="Courier"/>
+                <a:cs typeface="Courier"/>
+              </a:rPr>
+              <a:t>C</a:t>
+            </a:r>
+            <a:r>
+              <a:rPr lang="en-US" sz="2400" kern="0" dirty="0">
+                <a:solidFill>
+                  <a:srgbClr val="FF0000"/>
+                </a:solidFill>
+                <a:latin typeface="Courier"/>
+                <a:cs typeface="Courier"/>
+              </a:rPr>
+              <a:t>T</a:t>
+            </a:r>
+            <a:r>
+              <a:rPr lang="en-US" sz="2400" kern="0" dirty="0">
+                <a:solidFill>
+                  <a:srgbClr val="FF9900"/>
+                </a:solidFill>
+                <a:latin typeface="Courier"/>
+                <a:cs typeface="Courier"/>
+              </a:rPr>
+              <a:t>G</a:t>
+            </a:r>
+            <a:endParaRPr lang="nl-BE" sz="2400" kern="0" dirty="0">
+              <a:latin typeface="Courier"/>
+              <a:cs typeface="Courier"/>
+            </a:endParaRPr>
+          </a:p>
+        </p:txBody>
+      </p:sp>
       <p:cxnSp>
         <p:nvCxnSpPr>
-          <p:cNvPr id="7" name="Straight Arrow Connector 6">
-            <a:extLst>
-              <a:ext uri="{FF2B5EF4-FFF2-40B4-BE49-F238E27FC236}">
-                <a16:creationId xmlns:a16="http://schemas.microsoft.com/office/drawing/2014/main" id="{A889B016-FBCC-E448-FE67-C01D26448F7D}"/>
+          <p:cNvPr id="24" name="Straight Arrow Connector 23">
+            <a:extLst>
+              <a:ext uri="{FF2B5EF4-FFF2-40B4-BE49-F238E27FC236}">
+                <a16:creationId xmlns:a16="http://schemas.microsoft.com/office/drawing/2014/main" id="{55695101-8C1E-F1E9-D54E-02F2232D34D5}"/>
               </a:ext>
             </a:extLst>
           </p:cNvPr>
@@ -31778,7 +33027,7 @@
         </p:nvCxnSpPr>
         <p:spPr bwMode="auto">
           <a:xfrm flipV="1">
-            <a:off x="7032104" y="5159663"/>
+            <a:off x="3817293" y="5505384"/>
             <a:ext cx="646964" cy="9035"/>
           </a:xfrm>
           <a:prstGeom prst="straightConnector1">
@@ -31800,1248 +33049,6 @@
           <a:extLst>
             <a:ext uri="{AF507438-7753-43e0-B8FC-AC1667EBCBE1}">
               <a14:hiddenEffects xmlns:a14="http://schemas.microsoft.com/office/drawing/2010/main" xmlns="">
-                <a:effectLst>
-                  <a:outerShdw dist="35921" dir="2700000" algn="ctr" rotWithShape="0">
-                    <a:schemeClr val="bg2"/>
-                  </a:outerShdw>
-                </a:effectLst>
-              </a14:hiddenEffects>
-            </a:ext>
-          </a:extLst>
-        </p:spPr>
-      </p:cxnSp>
-      <p:cxnSp>
-        <p:nvCxnSpPr>
-          <p:cNvPr id="10" name="Straight Arrow Connector 9">
-            <a:extLst>
-              <a:ext uri="{FF2B5EF4-FFF2-40B4-BE49-F238E27FC236}">
-                <a16:creationId xmlns:a16="http://schemas.microsoft.com/office/drawing/2014/main" id="{9B57EAB6-0B38-F445-433F-5B0072702E2A}"/>
-              </a:ext>
-            </a:extLst>
-          </p:cNvPr>
-          <p:cNvCxnSpPr/>
-          <p:nvPr/>
-        </p:nvCxnSpPr>
-        <p:spPr bwMode="auto">
-          <a:xfrm flipH="1">
-            <a:off x="5702762" y="6316251"/>
-            <a:ext cx="216024" cy="216024"/>
-          </a:xfrm>
-          <a:prstGeom prst="straightConnector1">
-            <a:avLst/>
-          </a:prstGeom>
-          <a:solidFill>
-            <a:schemeClr val="accent1"/>
-          </a:solidFill>
-          <a:ln w="9525" cap="flat" cmpd="sng" algn="ctr">
-            <a:solidFill>
-              <a:schemeClr val="tx1"/>
-            </a:solidFill>
-            <a:prstDash val="solid"/>
-            <a:round/>
-            <a:headEnd type="none" w="med" len="med"/>
-            <a:tailEnd type="arrow"/>
-          </a:ln>
-          <a:effectLst/>
-          <a:extLst>
-            <a:ext uri="{AF507438-7753-43e0-B8FC-AC1667EBCBE1}">
-              <a14:hiddenEffects xmlns:a14="http://schemas.microsoft.com/office/drawing/2010/main" xmlns="">
-                <a:effectLst>
-                  <a:outerShdw dist="35921" dir="2700000" algn="ctr" rotWithShape="0">
-                    <a:schemeClr val="bg2"/>
-                  </a:outerShdw>
-                </a:effectLst>
-              </a14:hiddenEffects>
-            </a:ext>
-          </a:extLst>
-        </p:spPr>
-      </p:cxnSp>
-      <p:cxnSp>
-        <p:nvCxnSpPr>
-          <p:cNvPr id="11" name="Straight Arrow Connector 10">
-            <a:extLst>
-              <a:ext uri="{FF2B5EF4-FFF2-40B4-BE49-F238E27FC236}">
-                <a16:creationId xmlns:a16="http://schemas.microsoft.com/office/drawing/2014/main" id="{95B7536F-D309-E06E-E17B-E0D0ED8E2C48}"/>
-              </a:ext>
-            </a:extLst>
-          </p:cNvPr>
-          <p:cNvCxnSpPr/>
-          <p:nvPr/>
-        </p:nvCxnSpPr>
-        <p:spPr bwMode="auto">
-          <a:xfrm>
-            <a:off x="6114667" y="6302196"/>
-            <a:ext cx="89485" cy="144016"/>
-          </a:xfrm>
-          <a:prstGeom prst="straightConnector1">
-            <a:avLst/>
-          </a:prstGeom>
-          <a:solidFill>
-            <a:schemeClr val="accent1"/>
-          </a:solidFill>
-          <a:ln w="9525" cap="flat" cmpd="sng" algn="ctr">
-            <a:solidFill>
-              <a:schemeClr val="tx1"/>
-            </a:solidFill>
-            <a:prstDash val="solid"/>
-            <a:round/>
-            <a:headEnd type="none" w="med" len="med"/>
-            <a:tailEnd type="arrow"/>
-          </a:ln>
-          <a:effectLst/>
-          <a:extLst>
-            <a:ext uri="{AF507438-7753-43e0-B8FC-AC1667EBCBE1}">
-              <a14:hiddenEffects xmlns:a14="http://schemas.microsoft.com/office/drawing/2010/main" xmlns="">
-                <a:effectLst>
-                  <a:outerShdw dist="35921" dir="2700000" algn="ctr" rotWithShape="0">
-                    <a:schemeClr val="bg2"/>
-                  </a:outerShdw>
-                </a:effectLst>
-              </a14:hiddenEffects>
-            </a:ext>
-          </a:extLst>
-        </p:spPr>
-      </p:cxnSp>
-      <p:sp>
-        <p:nvSpPr>
-          <p:cNvPr id="12" name="TextBox 11">
-            <a:extLst>
-              <a:ext uri="{FF2B5EF4-FFF2-40B4-BE49-F238E27FC236}">
-                <a16:creationId xmlns:a16="http://schemas.microsoft.com/office/drawing/2014/main" id="{F09A387F-A80C-3767-1BC4-D3624DC530DF}"/>
-              </a:ext>
-            </a:extLst>
-          </p:cNvPr>
-          <p:cNvSpPr txBox="1"/>
-          <p:nvPr/>
-        </p:nvSpPr>
-        <p:spPr>
-          <a:xfrm>
-            <a:off x="5471920" y="6486051"/>
-            <a:ext cx="420308" cy="261610"/>
-          </a:xfrm>
-          <a:prstGeom prst="rect">
-            <a:avLst/>
-          </a:prstGeom>
-          <a:noFill/>
-        </p:spPr>
-        <p:txBody>
-          <a:bodyPr wrap="none" rtlCol="0">
-            <a:spAutoFit/>
-          </a:bodyPr>
-          <a:lstStyle/>
-          <a:p>
-            <a:r>
-              <a:rPr lang="en-GB" sz="1100" dirty="0"/>
-              <a:t>350</a:t>
-            </a:r>
-          </a:p>
-        </p:txBody>
-      </p:sp>
-      <p:sp>
-        <p:nvSpPr>
-          <p:cNvPr id="13" name="TextBox 12">
-            <a:extLst>
-              <a:ext uri="{FF2B5EF4-FFF2-40B4-BE49-F238E27FC236}">
-                <a16:creationId xmlns:a16="http://schemas.microsoft.com/office/drawing/2014/main" id="{5826C961-1F14-E997-079F-73B12E6F8583}"/>
-              </a:ext>
-            </a:extLst>
-          </p:cNvPr>
-          <p:cNvSpPr txBox="1"/>
-          <p:nvPr/>
-        </p:nvSpPr>
-        <p:spPr>
-          <a:xfrm>
-            <a:off x="5982043" y="6457407"/>
-            <a:ext cx="420308" cy="261610"/>
-          </a:xfrm>
-          <a:prstGeom prst="rect">
-            <a:avLst/>
-          </a:prstGeom>
-          <a:noFill/>
-        </p:spPr>
-        <p:txBody>
-          <a:bodyPr wrap="none" rtlCol="0">
-            <a:spAutoFit/>
-          </a:bodyPr>
-          <a:lstStyle/>
-          <a:p>
-            <a:r>
-              <a:rPr lang="en-GB" sz="1100" dirty="0"/>
-              <a:t>100</a:t>
-            </a:r>
-          </a:p>
-        </p:txBody>
-      </p:sp>
-      <p:sp>
-        <p:nvSpPr>
-          <p:cNvPr id="14" name="TextBox 13">
-            <a:extLst>
-              <a:ext uri="{FF2B5EF4-FFF2-40B4-BE49-F238E27FC236}">
-                <a16:creationId xmlns:a16="http://schemas.microsoft.com/office/drawing/2014/main" id="{0F996160-0538-C118-FAFF-24FA6D263FFF}"/>
-              </a:ext>
-            </a:extLst>
-          </p:cNvPr>
-          <p:cNvSpPr txBox="1"/>
-          <p:nvPr/>
-        </p:nvSpPr>
-        <p:spPr>
-          <a:xfrm>
-            <a:off x="6402501" y="6446212"/>
-            <a:ext cx="458780" cy="261610"/>
-          </a:xfrm>
-          <a:prstGeom prst="rect">
-            <a:avLst/>
-          </a:prstGeom>
-          <a:noFill/>
-        </p:spPr>
-        <p:txBody>
-          <a:bodyPr wrap="none" rtlCol="0">
-            <a:spAutoFit/>
-          </a:bodyPr>
-          <a:lstStyle/>
-          <a:p>
-            <a:r>
-              <a:rPr lang="en-GB" sz="1100" dirty="0"/>
-              <a:t>etc…</a:t>
-            </a:r>
-          </a:p>
-        </p:txBody>
-      </p:sp>
-    </p:spTree>
-    <p:extLst>
-      <p:ext uri="{BB962C8B-B14F-4D97-AF65-F5344CB8AC3E}">
-        <p14:creationId xmlns:p14="http://schemas.microsoft.com/office/powerpoint/2010/main" val="1374767438"/>
-      </p:ext>
-    </p:extLst>
-  </p:cSld>
-  <p:clrMapOvr>
-    <a:masterClrMapping/>
-  </p:clrMapOvr>
-</p:sld>
-</file>
-
-<file path=ppt/slides/slide41.xml><?xml version="1.0" encoding="utf-8"?>
-<p:sld xmlns:a="http://schemas.openxmlformats.org/drawingml/2006/main" xmlns:r="http://schemas.openxmlformats.org/officeDocument/2006/relationships" xmlns:p="http://schemas.openxmlformats.org/presentationml/2006/main">
-  <p:cSld>
-    <p:spTree>
-      <p:nvGrpSpPr>
-        <p:cNvPr id="1" name=""/>
-        <p:cNvGrpSpPr/>
-        <p:nvPr/>
-      </p:nvGrpSpPr>
-      <p:grpSpPr>
-        <a:xfrm>
-          <a:off x="0" y="0"/>
-          <a:ext cx="0" cy="0"/>
-          <a:chOff x="0" y="0"/>
-          <a:chExt cx="0" cy="0"/>
-        </a:xfrm>
-      </p:grpSpPr>
-      <p:sp>
-        <p:nvSpPr>
-          <p:cNvPr id="8" name="Title 1">
-            <a:extLst>
-              <a:ext uri="{FF2B5EF4-FFF2-40B4-BE49-F238E27FC236}">
-                <a16:creationId xmlns:a16="http://schemas.microsoft.com/office/drawing/2014/main" id="{551F150B-CD36-EC43-A80B-C4F967B90C86}"/>
-              </a:ext>
-            </a:extLst>
-          </p:cNvPr>
-          <p:cNvSpPr txBox="1">
-            <a:spLocks/>
-          </p:cNvSpPr>
-          <p:nvPr/>
-        </p:nvSpPr>
-        <p:spPr>
-          <a:xfrm>
-            <a:off x="442912" y="444398"/>
-            <a:ext cx="11306176" cy="681875"/>
-          </a:xfrm>
-          <a:prstGeom prst="rect">
-            <a:avLst/>
-          </a:prstGeom>
-        </p:spPr>
-        <p:txBody>
-          <a:bodyPr vert="horz" lIns="0" tIns="45720" rIns="91440" bIns="45720" rtlCol="0" anchor="ctr" anchorCtr="0">
-            <a:normAutofit fontScale="90000" lnSpcReduction="10000"/>
-          </a:bodyPr>
-          <a:lstStyle>
-            <a:lvl1pPr algn="l" defTabSz="914400" rtl="0" eaLnBrk="1" latinLnBrk="0" hangingPunct="1">
-              <a:lnSpc>
-                <a:spcPct val="100000"/>
-              </a:lnSpc>
-              <a:spcBef>
-                <a:spcPct val="0"/>
-              </a:spcBef>
-              <a:buNone/>
-              <a:defRPr sz="4400" b="1" kern="1200">
-                <a:solidFill>
-                  <a:srgbClr val="E6005B"/>
-                </a:solidFill>
-                <a:latin typeface="Arial" panose="020B0604020202020204" pitchFamily="34" charset="0"/>
-                <a:ea typeface="+mj-ea"/>
-                <a:cs typeface="Arial" panose="020B0604020202020204" pitchFamily="34" charset="0"/>
-              </a:defRPr>
-            </a:lvl1pPr>
-          </a:lstStyle>
-          <a:p>
-            <a:pPr algn="ctr"/>
-            <a:r>
-              <a:rPr lang="en-US" dirty="0">
-                <a:solidFill>
-                  <a:schemeClr val="accent1"/>
-                </a:solidFill>
-              </a:rPr>
-              <a:t>Bootstrapping</a:t>
-            </a:r>
-          </a:p>
-        </p:txBody>
-      </p:sp>
-      <p:sp>
-        <p:nvSpPr>
-          <p:cNvPr id="2" name="TextBox 1">
-            <a:extLst>
-              <a:ext uri="{FF2B5EF4-FFF2-40B4-BE49-F238E27FC236}">
-                <a16:creationId xmlns:a16="http://schemas.microsoft.com/office/drawing/2014/main" id="{A18A5017-86B8-8244-A6D6-22EB3CBB778D}"/>
-              </a:ext>
-            </a:extLst>
-          </p:cNvPr>
-          <p:cNvSpPr txBox="1"/>
-          <p:nvPr/>
-        </p:nvSpPr>
-        <p:spPr>
-          <a:xfrm>
-            <a:off x="1427356" y="3044283"/>
-            <a:ext cx="0" cy="0"/>
-          </a:xfrm>
-          <a:prstGeom prst="rect">
-            <a:avLst/>
-          </a:prstGeom>
-          <a:noFill/>
-        </p:spPr>
-        <p:txBody>
-          <a:bodyPr wrap="none" lIns="0" tIns="0" rIns="0" bIns="0" rtlCol="0" anchor="b" anchorCtr="0">
-            <a:normAutofit fontScale="25000" lnSpcReduction="20000"/>
-          </a:bodyPr>
-          <a:lstStyle/>
-          <a:p>
-            <a:pPr algn="r"/>
-            <a:endParaRPr lang="en-US" dirty="0"/>
-          </a:p>
-        </p:txBody>
-      </p:sp>
-      <p:sp>
-        <p:nvSpPr>
-          <p:cNvPr id="9" name="Tijdelijke aanduiding voor inhoud 5">
-            <a:extLst>
-              <a:ext uri="{FF2B5EF4-FFF2-40B4-BE49-F238E27FC236}">
-                <a16:creationId xmlns:a16="http://schemas.microsoft.com/office/drawing/2014/main" id="{236654F0-D29E-AE4F-A966-9762A2AB84EB}"/>
-              </a:ext>
-            </a:extLst>
-          </p:cNvPr>
-          <p:cNvSpPr>
-            <a:spLocks noGrp="1"/>
-          </p:cNvSpPr>
-          <p:nvPr>
-            <p:ph idx="1"/>
-          </p:nvPr>
-        </p:nvSpPr>
-        <p:spPr>
-          <a:xfrm>
-            <a:off x="987972" y="1222626"/>
-            <a:ext cx="10657490" cy="3725004"/>
-          </a:xfrm>
-        </p:spPr>
-        <p:txBody>
-          <a:bodyPr>
-            <a:normAutofit/>
-          </a:bodyPr>
-          <a:lstStyle/>
-          <a:p>
-            <a:r>
-              <a:rPr lang="nl-BE" sz="2000" dirty="0"/>
-              <a:t>Bootstrapping is a method to test the reliability of an inferred tree</a:t>
-            </a:r>
-          </a:p>
-          <a:p>
-            <a:r>
-              <a:rPr lang="nl-BE" sz="2000" dirty="0"/>
-              <a:t>Algorithm (for an alignment of M taxa and N columns):</a:t>
-            </a:r>
-          </a:p>
-          <a:p>
-            <a:pPr lvl="1"/>
-            <a:r>
-              <a:rPr lang="nl-BE" sz="1800" dirty="0"/>
-              <a:t>Create a new alignment of length N from original, sampling columns at random with replacement</a:t>
-            </a:r>
-          </a:p>
-          <a:p>
-            <a:pPr lvl="1"/>
-            <a:r>
-              <a:rPr lang="nl-BE" sz="1800" dirty="0"/>
-              <a:t>Create a new topology for this using the same method</a:t>
-            </a:r>
-          </a:p>
-          <a:p>
-            <a:pPr lvl="2"/>
-            <a:r>
-              <a:rPr lang="nl-BE" sz="1600" dirty="0"/>
-              <a:t>Often in ML analysis this is done with some extra heuristics to speed up the process</a:t>
-            </a:r>
-          </a:p>
-          <a:p>
-            <a:pPr lvl="1"/>
-            <a:r>
-              <a:rPr lang="nl-BE" sz="2000" dirty="0"/>
-              <a:t>Compare topology to original</a:t>
-            </a:r>
-          </a:p>
-          <a:p>
-            <a:pPr lvl="2"/>
-            <a:r>
-              <a:rPr lang="nl-BE" sz="1600" dirty="0"/>
-              <a:t>Every branch that is the same is given a score of 1, any that are not present are given a score of 0</a:t>
-            </a:r>
-          </a:p>
-          <a:p>
-            <a:r>
-              <a:rPr lang="nl-BE" sz="2000" dirty="0"/>
-              <a:t>Repeat hundred(s) of times and report as a percentage found for each branch</a:t>
-            </a:r>
-          </a:p>
-        </p:txBody>
-      </p:sp>
-      <p:pic>
-        <p:nvPicPr>
-          <p:cNvPr id="20" name="Picture 19" descr="njEx.pdf">
-            <a:extLst>
-              <a:ext uri="{FF2B5EF4-FFF2-40B4-BE49-F238E27FC236}">
-                <a16:creationId xmlns:a16="http://schemas.microsoft.com/office/drawing/2014/main" id="{48149C85-6F6C-7785-FB13-11554CE908E3}"/>
-              </a:ext>
-            </a:extLst>
-          </p:cNvPr>
-          <p:cNvPicPr>
-            <a:picLocks noChangeAspect="1"/>
-          </p:cNvPicPr>
-          <p:nvPr/>
-        </p:nvPicPr>
-        <p:blipFill>
-          <a:blip r:embed="rId3"/>
-          <a:stretch>
-            <a:fillRect/>
-          </a:stretch>
-        </p:blipFill>
-        <p:spPr>
-          <a:xfrm>
-            <a:off x="7596097" y="4425265"/>
-            <a:ext cx="2665404" cy="2178311"/>
-          </a:xfrm>
-          <a:prstGeom prst="rect">
-            <a:avLst/>
-          </a:prstGeom>
-        </p:spPr>
-      </p:pic>
-      <p:sp>
-        <p:nvSpPr>
-          <p:cNvPr id="21" name="Content Placeholder 4">
-            <a:extLst>
-              <a:ext uri="{FF2B5EF4-FFF2-40B4-BE49-F238E27FC236}">
-                <a16:creationId xmlns:a16="http://schemas.microsoft.com/office/drawing/2014/main" id="{8CD8AD2C-4B37-3AA9-C8BC-CED53B127666}"/>
-              </a:ext>
-            </a:extLst>
-          </p:cNvPr>
-          <p:cNvSpPr txBox="1">
-            <a:spLocks/>
-          </p:cNvSpPr>
-          <p:nvPr/>
-        </p:nvSpPr>
-        <p:spPr bwMode="auto">
-          <a:xfrm>
-            <a:off x="4681388" y="4425265"/>
-            <a:ext cx="1872208" cy="2432735"/>
-          </a:xfrm>
-          <a:prstGeom prst="rect">
-            <a:avLst/>
-          </a:prstGeom>
-          <a:noFill/>
-          <a:ln>
-            <a:noFill/>
-          </a:ln>
-          <a:effectLst/>
-          <a:extLst>
-            <a:ext uri="{909E8E84-426E-40dd-AFC4-6F175D3DCCD1}">
-              <a14:hiddenFill xmlns="" xmlns:a14="http://schemas.microsoft.com/office/drawing/2010/main">
-                <a:solidFill>
-                  <a:schemeClr val="accent1"/>
-                </a:solidFill>
-              </a14:hiddenFill>
-            </a:ext>
-            <a:ext uri="{91240B29-F687-4f45-9708-019B960494DF}">
-              <a14:hiddenLine xmlns="" xmlns:a14="http://schemas.microsoft.com/office/drawing/2010/main" w="9525">
-                <a:solidFill>
-                  <a:schemeClr val="tx1"/>
-                </a:solidFill>
-                <a:miter lim="800000"/>
-                <a:headEnd/>
-                <a:tailEnd/>
-              </a14:hiddenLine>
-            </a:ext>
-            <a:ext uri="{AF507438-7753-43e0-B8FC-AC1667EBCBE1}">
-              <a14:hiddenEffects xmlns="" xmlns:a14="http://schemas.microsoft.com/office/drawing/2010/main">
-                <a:effectLst>
-                  <a:outerShdw dist="35921" dir="2700000" algn="ctr" rotWithShape="0">
-                    <a:schemeClr val="bg2"/>
-                  </a:outerShdw>
-                </a:effectLst>
-              </a14:hiddenEffects>
-            </a:ext>
-          </a:extLst>
-        </p:spPr>
-        <p:txBody>
-          <a:bodyPr vert="horz" wrap="square" lIns="91440" tIns="45720" rIns="91440" bIns="45720" numCol="1" anchor="t" anchorCtr="0" compatLnSpc="1">
-            <a:prstTxWarp prst="textNoShape">
-              <a:avLst/>
-            </a:prstTxWarp>
-          </a:bodyPr>
-          <a:lstStyle/>
-          <a:p>
-            <a:pPr marL="342891" indent="-342891">
-              <a:spcBef>
-                <a:spcPct val="20000"/>
-              </a:spcBef>
-            </a:pPr>
-            <a:r>
-              <a:rPr lang="en-US" sz="2400" kern="0" dirty="0">
-                <a:latin typeface="Courier"/>
-                <a:cs typeface="Courier"/>
-              </a:rPr>
-              <a:t>S1: </a:t>
-            </a:r>
-            <a:r>
-              <a:rPr lang="en-US" sz="2400" kern="0" dirty="0">
-                <a:solidFill>
-                  <a:srgbClr val="FF9900"/>
-                </a:solidFill>
-                <a:latin typeface="Courier"/>
-                <a:cs typeface="Courier"/>
-              </a:rPr>
-              <a:t>G</a:t>
-            </a:r>
-            <a:r>
-              <a:rPr lang="en-US" sz="2400" kern="0" dirty="0">
-                <a:solidFill>
-                  <a:srgbClr val="3366FF"/>
-                </a:solidFill>
-                <a:latin typeface="Courier"/>
-                <a:cs typeface="Courier"/>
-              </a:rPr>
-              <a:t>A</a:t>
-            </a:r>
-            <a:r>
-              <a:rPr lang="en-US" sz="2400" kern="0" dirty="0">
-                <a:solidFill>
-                  <a:srgbClr val="008000"/>
-                </a:solidFill>
-                <a:latin typeface="Courier"/>
-                <a:cs typeface="Courier"/>
-              </a:rPr>
-              <a:t>C</a:t>
-            </a:r>
-            <a:r>
-              <a:rPr lang="en-US" sz="2400" kern="0" dirty="0">
-                <a:solidFill>
-                  <a:srgbClr val="3366FF"/>
-                </a:solidFill>
-                <a:latin typeface="Courier"/>
-                <a:cs typeface="Courier"/>
-              </a:rPr>
-              <a:t>A</a:t>
-            </a:r>
-            <a:r>
-              <a:rPr lang="en-US" sz="2400" kern="0" dirty="0">
-                <a:solidFill>
-                  <a:srgbClr val="008000"/>
-                </a:solidFill>
-                <a:latin typeface="Courier"/>
-                <a:cs typeface="Courier"/>
-              </a:rPr>
-              <a:t>C</a:t>
-            </a:r>
-            <a:endParaRPr lang="en-US" sz="2400" kern="0" dirty="0">
-              <a:solidFill>
-                <a:srgbClr val="FF9900"/>
-              </a:solidFill>
-              <a:latin typeface="Courier"/>
-              <a:cs typeface="Courier"/>
-            </a:endParaRPr>
-          </a:p>
-          <a:p>
-            <a:pPr marL="342891" indent="-342891">
-              <a:spcBef>
-                <a:spcPct val="20000"/>
-              </a:spcBef>
-            </a:pPr>
-            <a:r>
-              <a:rPr lang="en-US" sz="2400" kern="0" dirty="0">
-                <a:latin typeface="Courier"/>
-                <a:cs typeface="Courier"/>
-              </a:rPr>
-              <a:t>S2: </a:t>
-            </a:r>
-            <a:r>
-              <a:rPr lang="en-US" sz="2400" kern="0" dirty="0">
-                <a:solidFill>
-                  <a:srgbClr val="FF9900"/>
-                </a:solidFill>
-                <a:latin typeface="Courier"/>
-                <a:cs typeface="Courier"/>
-              </a:rPr>
-              <a:t>GG</a:t>
-            </a:r>
-            <a:r>
-              <a:rPr lang="en-US" sz="2400" kern="0" dirty="0">
-                <a:solidFill>
-                  <a:srgbClr val="008000"/>
-                </a:solidFill>
-                <a:latin typeface="Courier"/>
-                <a:cs typeface="Courier"/>
-              </a:rPr>
-              <a:t>C</a:t>
-            </a:r>
-            <a:r>
-              <a:rPr lang="en-US" sz="2400" kern="0" dirty="0">
-                <a:solidFill>
-                  <a:srgbClr val="FF9900"/>
-                </a:solidFill>
-                <a:latin typeface="Courier"/>
-                <a:cs typeface="Courier"/>
-              </a:rPr>
-              <a:t>G</a:t>
-            </a:r>
-            <a:r>
-              <a:rPr lang="en-US" sz="2400" kern="0" dirty="0">
-                <a:solidFill>
-                  <a:srgbClr val="008000"/>
-                </a:solidFill>
-                <a:latin typeface="Courier"/>
-                <a:cs typeface="Courier"/>
-              </a:rPr>
-              <a:t>C</a:t>
-            </a:r>
-            <a:endParaRPr lang="en-US" sz="2400" kern="0" dirty="0">
-              <a:latin typeface="Courier"/>
-              <a:cs typeface="Courier"/>
-            </a:endParaRPr>
-          </a:p>
-          <a:p>
-            <a:pPr marL="342891" indent="-342891">
-              <a:spcBef>
-                <a:spcPct val="20000"/>
-              </a:spcBef>
-            </a:pPr>
-            <a:r>
-              <a:rPr lang="en-US" sz="2400" kern="0" dirty="0">
-                <a:latin typeface="Courier"/>
-                <a:cs typeface="Courier"/>
-              </a:rPr>
-              <a:t>S3: </a:t>
-            </a:r>
-            <a:r>
-              <a:rPr lang="en-US" sz="2400" kern="0" dirty="0">
-                <a:solidFill>
-                  <a:srgbClr val="FF9900"/>
-                </a:solidFill>
-                <a:latin typeface="Courier"/>
-                <a:cs typeface="Courier"/>
-              </a:rPr>
-              <a:t>G</a:t>
-            </a:r>
-            <a:r>
-              <a:rPr lang="en-US" sz="2400" kern="0" dirty="0">
-                <a:solidFill>
-                  <a:srgbClr val="FF0000"/>
-                </a:solidFill>
-                <a:latin typeface="Courier"/>
-                <a:cs typeface="Courier"/>
-              </a:rPr>
-              <a:t>TTTT</a:t>
-            </a:r>
-            <a:endParaRPr lang="en-US" sz="2400" kern="0" dirty="0">
-              <a:latin typeface="Courier"/>
-              <a:cs typeface="Courier"/>
-            </a:endParaRPr>
-          </a:p>
-          <a:p>
-            <a:pPr marL="342891" indent="-342891">
-              <a:spcBef>
-                <a:spcPct val="20000"/>
-              </a:spcBef>
-            </a:pPr>
-            <a:r>
-              <a:rPr lang="en-US" sz="2400" kern="0" dirty="0">
-                <a:latin typeface="Courier"/>
-                <a:cs typeface="Courier"/>
-              </a:rPr>
-              <a:t>S4: </a:t>
-            </a:r>
-            <a:r>
-              <a:rPr lang="en-US" sz="2400" kern="0" dirty="0">
-                <a:solidFill>
-                  <a:srgbClr val="FF9900"/>
-                </a:solidFill>
-                <a:latin typeface="Courier"/>
-                <a:cs typeface="Courier"/>
-              </a:rPr>
-              <a:t>G</a:t>
-            </a:r>
-            <a:r>
-              <a:rPr lang="en-US" sz="2400" kern="0" dirty="0">
-                <a:solidFill>
-                  <a:srgbClr val="FF0000"/>
-                </a:solidFill>
-                <a:latin typeface="Courier"/>
-                <a:cs typeface="Courier"/>
-              </a:rPr>
-              <a:t>T</a:t>
-            </a:r>
-            <a:r>
-              <a:rPr lang="en-US" sz="2400" kern="0" dirty="0">
-                <a:solidFill>
-                  <a:srgbClr val="3366FF"/>
-                </a:solidFill>
-                <a:latin typeface="Courier"/>
-                <a:cs typeface="Courier"/>
-              </a:rPr>
-              <a:t>A</a:t>
-            </a:r>
-            <a:r>
-              <a:rPr lang="en-US" sz="2400" kern="0" dirty="0">
-                <a:solidFill>
-                  <a:srgbClr val="FF0000"/>
-                </a:solidFill>
-                <a:latin typeface="Courier"/>
-                <a:cs typeface="Courier"/>
-              </a:rPr>
-              <a:t>T</a:t>
-            </a:r>
-            <a:r>
-              <a:rPr lang="en-US" sz="2400" kern="0" dirty="0">
-                <a:solidFill>
-                  <a:srgbClr val="3366FF"/>
-                </a:solidFill>
-                <a:latin typeface="Courier"/>
-                <a:cs typeface="Courier"/>
-              </a:rPr>
-              <a:t>A</a:t>
-            </a:r>
-            <a:endParaRPr lang="en-US" sz="2400" kern="0" dirty="0">
-              <a:latin typeface="Courier"/>
-              <a:cs typeface="Courier"/>
-            </a:endParaRPr>
-          </a:p>
-          <a:p>
-            <a:pPr marL="342891" indent="-342891">
-              <a:spcBef>
-                <a:spcPct val="20000"/>
-              </a:spcBef>
-            </a:pPr>
-            <a:r>
-              <a:rPr lang="en-US" sz="2400" kern="0" dirty="0">
-                <a:latin typeface="Courier"/>
-                <a:cs typeface="Courier"/>
-              </a:rPr>
-              <a:t>S5: </a:t>
-            </a:r>
-            <a:r>
-              <a:rPr lang="en-US" sz="2400" kern="0" dirty="0">
-                <a:solidFill>
-                  <a:srgbClr val="FF9900"/>
-                </a:solidFill>
-                <a:latin typeface="Courier"/>
-                <a:cs typeface="Courier"/>
-              </a:rPr>
-              <a:t>G</a:t>
-            </a:r>
-            <a:r>
-              <a:rPr lang="en-US" sz="2400" kern="0" dirty="0">
-                <a:solidFill>
-                  <a:srgbClr val="FF0000"/>
-                </a:solidFill>
-                <a:latin typeface="Courier"/>
-                <a:cs typeface="Courier"/>
-              </a:rPr>
-              <a:t>T</a:t>
-            </a:r>
-            <a:r>
-              <a:rPr lang="en-US" sz="2400" kern="0" dirty="0">
-                <a:solidFill>
-                  <a:srgbClr val="008000"/>
-                </a:solidFill>
-                <a:latin typeface="Courier"/>
-                <a:cs typeface="Courier"/>
-              </a:rPr>
-              <a:t>C</a:t>
-            </a:r>
-            <a:r>
-              <a:rPr lang="en-US" sz="2400" kern="0" dirty="0">
-                <a:solidFill>
-                  <a:srgbClr val="FF0000"/>
-                </a:solidFill>
-                <a:latin typeface="Courier"/>
-                <a:cs typeface="Courier"/>
-              </a:rPr>
-              <a:t>T</a:t>
-            </a:r>
-            <a:r>
-              <a:rPr lang="en-US" sz="2400" kern="0" dirty="0">
-                <a:solidFill>
-                  <a:srgbClr val="008000"/>
-                </a:solidFill>
-                <a:latin typeface="Courier"/>
-                <a:cs typeface="Courier"/>
-              </a:rPr>
-              <a:t>C</a:t>
-            </a:r>
-            <a:endParaRPr lang="nl-BE" sz="2400" kern="0">
-              <a:latin typeface="Courier"/>
-              <a:cs typeface="Courier"/>
-            </a:endParaRPr>
-          </a:p>
-        </p:txBody>
-      </p:sp>
-      <p:cxnSp>
-        <p:nvCxnSpPr>
-          <p:cNvPr id="22" name="Straight Arrow Connector 21">
-            <a:extLst>
-              <a:ext uri="{FF2B5EF4-FFF2-40B4-BE49-F238E27FC236}">
-                <a16:creationId xmlns:a16="http://schemas.microsoft.com/office/drawing/2014/main" id="{BA6FC4FC-B7AE-6180-9DBF-63C369722D76}"/>
-              </a:ext>
-            </a:extLst>
-          </p:cNvPr>
-          <p:cNvCxnSpPr/>
-          <p:nvPr/>
-        </p:nvCxnSpPr>
-        <p:spPr bwMode="auto">
-          <a:xfrm flipV="1">
-            <a:off x="6481589" y="5505384"/>
-            <a:ext cx="646964" cy="9035"/>
-          </a:xfrm>
-          <a:prstGeom prst="straightConnector1">
-            <a:avLst/>
-          </a:prstGeom>
-          <a:solidFill>
-            <a:schemeClr val="accent1"/>
-          </a:solidFill>
-          <a:ln w="9525" cap="flat" cmpd="sng" algn="ctr">
-            <a:solidFill>
-              <a:schemeClr val="tx1"/>
-            </a:solidFill>
-            <a:prstDash val="solid"/>
-            <a:round/>
-            <a:headEnd type="none" w="med" len="med"/>
-            <a:tailEnd type="arrow"/>
-          </a:ln>
-          <a:effectLst/>
-          <a:extLst>
-            <a:ext uri="{AF507438-7753-43e0-B8FC-AC1667EBCBE1}">
-              <a14:hiddenEffects xmlns="" xmlns:a14="http://schemas.microsoft.com/office/drawing/2010/main">
-                <a:effectLst>
-                  <a:outerShdw dist="35921" dir="2700000" algn="ctr" rotWithShape="0">
-                    <a:schemeClr val="bg2"/>
-                  </a:outerShdw>
-                </a:effectLst>
-              </a14:hiddenEffects>
-            </a:ext>
-          </a:extLst>
-        </p:spPr>
-      </p:cxnSp>
-      <p:sp>
-        <p:nvSpPr>
-          <p:cNvPr id="23" name="Content Placeholder 4">
-            <a:extLst>
-              <a:ext uri="{FF2B5EF4-FFF2-40B4-BE49-F238E27FC236}">
-                <a16:creationId xmlns:a16="http://schemas.microsoft.com/office/drawing/2014/main" id="{B1B919AD-7518-87C7-71E1-2B7DDA5A2066}"/>
-              </a:ext>
-            </a:extLst>
-          </p:cNvPr>
-          <p:cNvSpPr txBox="1">
-            <a:spLocks/>
-          </p:cNvSpPr>
-          <p:nvPr/>
-        </p:nvSpPr>
-        <p:spPr bwMode="auto">
-          <a:xfrm>
-            <a:off x="1801068" y="4353257"/>
-            <a:ext cx="1872208" cy="2432735"/>
-          </a:xfrm>
-          <a:prstGeom prst="rect">
-            <a:avLst/>
-          </a:prstGeom>
-          <a:noFill/>
-          <a:ln>
-            <a:noFill/>
-          </a:ln>
-          <a:effectLst/>
-          <a:extLst>
-            <a:ext uri="{909E8E84-426E-40dd-AFC4-6F175D3DCCD1}">
-              <a14:hiddenFill xmlns="" xmlns:a14="http://schemas.microsoft.com/office/drawing/2010/main">
-                <a:solidFill>
-                  <a:schemeClr val="accent1"/>
-                </a:solidFill>
-              </a14:hiddenFill>
-            </a:ext>
-            <a:ext uri="{91240B29-F687-4f45-9708-019B960494DF}">
-              <a14:hiddenLine xmlns="" xmlns:a14="http://schemas.microsoft.com/office/drawing/2010/main" w="9525">
-                <a:solidFill>
-                  <a:schemeClr val="tx1"/>
-                </a:solidFill>
-                <a:miter lim="800000"/>
-                <a:headEnd/>
-                <a:tailEnd/>
-              </a14:hiddenLine>
-            </a:ext>
-            <a:ext uri="{AF507438-7753-43e0-B8FC-AC1667EBCBE1}">
-              <a14:hiddenEffects xmlns="" xmlns:a14="http://schemas.microsoft.com/office/drawing/2010/main">
-                <a:effectLst>
-                  <a:outerShdw dist="35921" dir="2700000" algn="ctr" rotWithShape="0">
-                    <a:schemeClr val="bg2"/>
-                  </a:outerShdw>
-                </a:effectLst>
-              </a14:hiddenEffects>
-            </a:ext>
-          </a:extLst>
-        </p:spPr>
-        <p:txBody>
-          <a:bodyPr vert="horz" wrap="square" lIns="91440" tIns="45720" rIns="91440" bIns="45720" numCol="1" anchor="t" anchorCtr="0" compatLnSpc="1">
-            <a:prstTxWarp prst="textNoShape">
-              <a:avLst/>
-            </a:prstTxWarp>
-          </a:bodyPr>
-          <a:lstStyle/>
-          <a:p>
-            <a:pPr marL="342891" indent="-342891">
-              <a:spcBef>
-                <a:spcPct val="20000"/>
-              </a:spcBef>
-            </a:pPr>
-            <a:r>
-              <a:rPr lang="en-US" sz="2400" kern="0" dirty="0">
-                <a:latin typeface="Courier"/>
-                <a:cs typeface="Courier"/>
-              </a:rPr>
-              <a:t>S1: </a:t>
-            </a:r>
-            <a:r>
-              <a:rPr lang="en-US" sz="2400" kern="0" dirty="0">
-                <a:solidFill>
-                  <a:srgbClr val="FF0000"/>
-                </a:solidFill>
-                <a:latin typeface="Courier"/>
-                <a:cs typeface="Courier"/>
-              </a:rPr>
-              <a:t>TT</a:t>
-            </a:r>
-            <a:r>
-              <a:rPr lang="en-US" sz="2400" kern="0" dirty="0">
-                <a:solidFill>
-                  <a:srgbClr val="008000"/>
-                </a:solidFill>
-                <a:latin typeface="Courier"/>
-                <a:cs typeface="Courier"/>
-              </a:rPr>
-              <a:t>C</a:t>
-            </a:r>
-            <a:r>
-              <a:rPr lang="en-US" sz="2400" kern="0" dirty="0">
-                <a:solidFill>
-                  <a:srgbClr val="3366FF"/>
-                </a:solidFill>
-                <a:latin typeface="Courier"/>
-                <a:cs typeface="Courier"/>
-              </a:rPr>
-              <a:t>A</a:t>
-            </a:r>
-            <a:r>
-              <a:rPr lang="en-US" sz="2400" kern="0" dirty="0">
-                <a:solidFill>
-                  <a:srgbClr val="FF9900"/>
-                </a:solidFill>
-                <a:latin typeface="Courier"/>
-                <a:cs typeface="Courier"/>
-              </a:rPr>
-              <a:t>G</a:t>
-            </a:r>
-          </a:p>
-          <a:p>
-            <a:pPr marL="342891" indent="-342891">
-              <a:spcBef>
-                <a:spcPct val="20000"/>
-              </a:spcBef>
-            </a:pPr>
-            <a:r>
-              <a:rPr lang="en-US" sz="2400" kern="0" dirty="0">
-                <a:latin typeface="Courier"/>
-                <a:cs typeface="Courier"/>
-              </a:rPr>
-              <a:t>S2: </a:t>
-            </a:r>
-            <a:r>
-              <a:rPr lang="en-US" sz="2400" kern="0" dirty="0">
-                <a:solidFill>
-                  <a:srgbClr val="FF0000"/>
-                </a:solidFill>
-                <a:latin typeface="Courier"/>
-                <a:cs typeface="Courier"/>
-              </a:rPr>
-              <a:t>TT</a:t>
-            </a:r>
-            <a:r>
-              <a:rPr lang="en-US" sz="2400" kern="0" dirty="0">
-                <a:solidFill>
-                  <a:srgbClr val="008000"/>
-                </a:solidFill>
-                <a:latin typeface="Courier"/>
-                <a:cs typeface="Courier"/>
-              </a:rPr>
-              <a:t>C</a:t>
-            </a:r>
-            <a:r>
-              <a:rPr lang="en-US" sz="2400" kern="0" dirty="0">
-                <a:solidFill>
-                  <a:srgbClr val="FF9900"/>
-                </a:solidFill>
-                <a:latin typeface="Courier"/>
-                <a:cs typeface="Courier"/>
-              </a:rPr>
-              <a:t>GG</a:t>
-            </a:r>
-            <a:endParaRPr lang="en-US" sz="2400" kern="0" dirty="0">
-              <a:latin typeface="Courier"/>
-              <a:cs typeface="Courier"/>
-            </a:endParaRPr>
-          </a:p>
-          <a:p>
-            <a:pPr marL="342891" indent="-342891">
-              <a:spcBef>
-                <a:spcPct val="20000"/>
-              </a:spcBef>
-            </a:pPr>
-            <a:r>
-              <a:rPr lang="en-US" sz="2400" kern="0" dirty="0">
-                <a:latin typeface="Courier"/>
-                <a:cs typeface="Courier"/>
-              </a:rPr>
-              <a:t>S3: </a:t>
-            </a:r>
-            <a:r>
-              <a:rPr lang="en-US" sz="2400" kern="0" dirty="0">
-                <a:solidFill>
-                  <a:srgbClr val="FF0000"/>
-                </a:solidFill>
-                <a:latin typeface="Courier"/>
-                <a:cs typeface="Courier"/>
-              </a:rPr>
-              <a:t>T</a:t>
-            </a:r>
-            <a:r>
-              <a:rPr lang="en-US" sz="2400" kern="0" dirty="0">
-                <a:solidFill>
-                  <a:srgbClr val="FF9900"/>
-                </a:solidFill>
-                <a:latin typeface="Courier"/>
-                <a:cs typeface="Courier"/>
-              </a:rPr>
-              <a:t>G</a:t>
-            </a:r>
-            <a:r>
-              <a:rPr lang="en-US" sz="2400" kern="0" dirty="0">
-                <a:solidFill>
-                  <a:srgbClr val="FF0000"/>
-                </a:solidFill>
-                <a:latin typeface="Courier"/>
-                <a:cs typeface="Courier"/>
-              </a:rPr>
-              <a:t>TT</a:t>
-            </a:r>
-            <a:r>
-              <a:rPr lang="en-US" sz="2400" kern="0" dirty="0">
-                <a:solidFill>
-                  <a:srgbClr val="FF9900"/>
-                </a:solidFill>
-                <a:latin typeface="Courier"/>
-                <a:cs typeface="Courier"/>
-              </a:rPr>
-              <a:t>G</a:t>
-            </a:r>
-            <a:endParaRPr lang="en-US" sz="2400" kern="0" dirty="0">
-              <a:latin typeface="Courier"/>
-              <a:cs typeface="Courier"/>
-            </a:endParaRPr>
-          </a:p>
-          <a:p>
-            <a:pPr marL="342891" indent="-342891">
-              <a:spcBef>
-                <a:spcPct val="20000"/>
-              </a:spcBef>
-            </a:pPr>
-            <a:r>
-              <a:rPr lang="en-US" sz="2400" kern="0" dirty="0">
-                <a:latin typeface="Courier"/>
-                <a:cs typeface="Courier"/>
-              </a:rPr>
-              <a:t>S4: </a:t>
-            </a:r>
-            <a:r>
-              <a:rPr lang="en-US" sz="2400" kern="0" dirty="0">
-                <a:solidFill>
-                  <a:srgbClr val="FF0000"/>
-                </a:solidFill>
-                <a:latin typeface="Courier"/>
-                <a:cs typeface="Courier"/>
-              </a:rPr>
-              <a:t>T</a:t>
-            </a:r>
-            <a:r>
-              <a:rPr lang="en-US" sz="2400" kern="0" dirty="0">
-                <a:solidFill>
-                  <a:srgbClr val="FF9900"/>
-                </a:solidFill>
-                <a:latin typeface="Courier"/>
-                <a:cs typeface="Courier"/>
-              </a:rPr>
-              <a:t>G</a:t>
-            </a:r>
-            <a:r>
-              <a:rPr lang="en-US" sz="2400" kern="0" dirty="0">
-                <a:solidFill>
-                  <a:srgbClr val="3366FF"/>
-                </a:solidFill>
-                <a:latin typeface="Courier"/>
-                <a:cs typeface="Courier"/>
-              </a:rPr>
-              <a:t>A</a:t>
-            </a:r>
-            <a:r>
-              <a:rPr lang="en-US" sz="2400" kern="0" dirty="0">
-                <a:solidFill>
-                  <a:srgbClr val="FF0000"/>
-                </a:solidFill>
-                <a:latin typeface="Courier"/>
-                <a:cs typeface="Courier"/>
-              </a:rPr>
-              <a:t>T</a:t>
-            </a:r>
-            <a:r>
-              <a:rPr lang="en-US" sz="2400" kern="0" dirty="0">
-                <a:solidFill>
-                  <a:srgbClr val="FF9900"/>
-                </a:solidFill>
-                <a:latin typeface="Courier"/>
-                <a:cs typeface="Courier"/>
-              </a:rPr>
-              <a:t>G</a:t>
-            </a:r>
-            <a:endParaRPr lang="en-US" sz="2400" kern="0" dirty="0">
-              <a:latin typeface="Courier"/>
-              <a:cs typeface="Courier"/>
-            </a:endParaRPr>
-          </a:p>
-          <a:p>
-            <a:pPr marL="342891" indent="-342891">
-              <a:spcBef>
-                <a:spcPct val="20000"/>
-              </a:spcBef>
-            </a:pPr>
-            <a:r>
-              <a:rPr lang="en-US" sz="2400" kern="0" dirty="0">
-                <a:latin typeface="Courier"/>
-                <a:cs typeface="Courier"/>
-              </a:rPr>
-              <a:t>S5: </a:t>
-            </a:r>
-            <a:r>
-              <a:rPr lang="en-US" sz="2400" kern="0" dirty="0">
-                <a:solidFill>
-                  <a:srgbClr val="3366FF"/>
-                </a:solidFill>
-                <a:latin typeface="Courier"/>
-                <a:cs typeface="Courier"/>
-              </a:rPr>
-              <a:t>AA</a:t>
-            </a:r>
-            <a:r>
-              <a:rPr lang="en-US" sz="2400" kern="0" dirty="0">
-                <a:solidFill>
-                  <a:srgbClr val="008000"/>
-                </a:solidFill>
-                <a:latin typeface="Courier"/>
-                <a:cs typeface="Courier"/>
-              </a:rPr>
-              <a:t>C</a:t>
-            </a:r>
-            <a:r>
-              <a:rPr lang="en-US" sz="2400" kern="0" dirty="0">
-                <a:solidFill>
-                  <a:srgbClr val="FF0000"/>
-                </a:solidFill>
-                <a:latin typeface="Courier"/>
-                <a:cs typeface="Courier"/>
-              </a:rPr>
-              <a:t>T</a:t>
-            </a:r>
-            <a:r>
-              <a:rPr lang="en-US" sz="2400" kern="0" dirty="0">
-                <a:solidFill>
-                  <a:srgbClr val="FF9900"/>
-                </a:solidFill>
-                <a:latin typeface="Courier"/>
-                <a:cs typeface="Courier"/>
-              </a:rPr>
-              <a:t>G</a:t>
-            </a:r>
-            <a:endParaRPr lang="nl-BE" sz="2400" kern="0" dirty="0">
-              <a:latin typeface="Courier"/>
-              <a:cs typeface="Courier"/>
-            </a:endParaRPr>
-          </a:p>
-        </p:txBody>
-      </p:sp>
-      <p:cxnSp>
-        <p:nvCxnSpPr>
-          <p:cNvPr id="24" name="Straight Arrow Connector 23">
-            <a:extLst>
-              <a:ext uri="{FF2B5EF4-FFF2-40B4-BE49-F238E27FC236}">
-                <a16:creationId xmlns:a16="http://schemas.microsoft.com/office/drawing/2014/main" id="{55695101-8C1E-F1E9-D54E-02F2232D34D5}"/>
-              </a:ext>
-            </a:extLst>
-          </p:cNvPr>
-          <p:cNvCxnSpPr/>
-          <p:nvPr/>
-        </p:nvCxnSpPr>
-        <p:spPr bwMode="auto">
-          <a:xfrm flipV="1">
-            <a:off x="3817293" y="5505384"/>
-            <a:ext cx="646964" cy="9035"/>
-          </a:xfrm>
-          <a:prstGeom prst="straightConnector1">
-            <a:avLst/>
-          </a:prstGeom>
-          <a:solidFill>
-            <a:schemeClr val="accent1"/>
-          </a:solidFill>
-          <a:ln w="9525" cap="flat" cmpd="sng" algn="ctr">
-            <a:solidFill>
-              <a:schemeClr val="tx1"/>
-            </a:solidFill>
-            <a:prstDash val="solid"/>
-            <a:round/>
-            <a:headEnd type="none" w="med" len="med"/>
-            <a:tailEnd type="arrow"/>
-          </a:ln>
-          <a:effectLst/>
-          <a:extLst>
-            <a:ext uri="{AF507438-7753-43e0-B8FC-AC1667EBCBE1}">
-              <a14:hiddenEffects xmlns="" xmlns:a14="http://schemas.microsoft.com/office/drawing/2010/main">
                 <a:effectLst>
                   <a:outerShdw dist="35921" dir="2700000" algn="ctr" rotWithShape="0">
                     <a:schemeClr val="bg2"/>
@@ -35573,12 +35580,21 @@
 </file>
 
 <file path=customXml/item1.xml><?xml version="1.0" encoding="utf-8"?>
+<?mso-contentType ?>
+<FormTemplates xmlns="http://schemas.microsoft.com/sharepoint/v3/contenttype/forms">
+  <Display>DocumentLibraryForm</Display>
+  <Edit>DocumentLibraryForm</Edit>
+  <New>DocumentLibraryForm</New>
+</FormTemplates>
+</file>
+
+<file path=customXml/item2.xml><?xml version="1.0" encoding="utf-8"?>
 <p:properties xmlns:p="http://schemas.microsoft.com/office/2006/metadata/properties" xmlns:xsi="http://www.w3.org/2001/XMLSchema-instance" xmlns:pc="http://schemas.microsoft.com/office/infopath/2007/PartnerControls">
   <documentManagement/>
 </p:properties>
 </file>
 
-<file path=customXml/item2.xml><?xml version="1.0" encoding="utf-8"?>
+<file path=customXml/item3.xml><?xml version="1.0" encoding="utf-8"?>
 <ct:contentTypeSchema xmlns:ct="http://schemas.microsoft.com/office/2006/metadata/contentType" xmlns:ma="http://schemas.microsoft.com/office/2006/metadata/properties/metaAttributes" ct:_="" ma:_="" ma:contentTypeName="Document" ma:contentTypeID="0x010100E248A64365211844BF30BC3ADD420261" ma:contentTypeVersion="11" ma:contentTypeDescription="Create a new document." ma:contentTypeScope="" ma:versionID="bf0b94b058452ed3cec91f89e664909d">
   <xsd:schema xmlns:xsd="http://www.w3.org/2001/XMLSchema" xmlns:xs="http://www.w3.org/2001/XMLSchema" xmlns:p="http://schemas.microsoft.com/office/2006/metadata/properties" xmlns:ns2="8dbe2aa3-3237-4830-85c4-3d48417ef302" xmlns:ns3="b317b901-4ab4-4161-80c3-da5df50c25bf" targetNamespace="http://schemas.microsoft.com/office/2006/metadata/properties" ma:root="true" ma:fieldsID="d988d784501c0b668dd73c0ebdbd98a4" ns2:_="" ns3:_="">
     <xsd:import namespace="8dbe2aa3-3237-4830-85c4-3d48417ef302"/>
@@ -35789,16 +35805,15 @@
 </ct:contentTypeSchema>
 </file>
 
-<file path=customXml/item3.xml><?xml version="1.0" encoding="utf-8"?>
-<?mso-contentType ?>
-<FormTemplates xmlns="http://schemas.microsoft.com/sharepoint/v3/contenttype/forms">
-  <Display>DocumentLibraryForm</Display>
-  <Edit>DocumentLibraryForm</Edit>
-  <New>DocumentLibraryForm</New>
-</FormTemplates>
+<file path=customXml/itemProps1.xml><?xml version="1.0" encoding="utf-8"?>
+<ds:datastoreItem xmlns:ds="http://schemas.openxmlformats.org/officeDocument/2006/customXml" ds:itemID="{B1063616-57F3-4C87-BB7F-2974CF36DE76}">
+  <ds:schemaRefs>
+    <ds:schemaRef ds:uri="http://schemas.microsoft.com/sharepoint/v3/contenttype/forms"/>
+  </ds:schemaRefs>
+</ds:datastoreItem>
 </file>
 
-<file path=customXml/itemProps1.xml><?xml version="1.0" encoding="utf-8"?>
+<file path=customXml/itemProps2.xml><?xml version="1.0" encoding="utf-8"?>
 <ds:datastoreItem xmlns:ds="http://schemas.openxmlformats.org/officeDocument/2006/customXml" ds:itemID="{71F1859A-D475-4A9D-83E1-80A36DBA260F}">
   <ds:schemaRefs>
     <ds:schemaRef ds:uri="http://schemas.microsoft.com/office/2006/documentManagement/types"/>
@@ -35815,7 +35830,7 @@
 </ds:datastoreItem>
 </file>
 
-<file path=customXml/itemProps2.xml><?xml version="1.0" encoding="utf-8"?>
+<file path=customXml/itemProps3.xml><?xml version="1.0" encoding="utf-8"?>
 <ds:datastoreItem xmlns:ds="http://schemas.openxmlformats.org/officeDocument/2006/customXml" ds:itemID="{72E4F038-6994-4608-A1EA-AF583DA06B5C}">
   <ds:schemaRefs>
     <ds:schemaRef ds:uri="http://schemas.microsoft.com/office/2006/metadata/contentType"/>
@@ -35832,12 +35847,4 @@
     <ds:schemaRef ds:uri="http://schemas.microsoft.com/internal/obd"/>
   </ds:schemaRefs>
 </ds:datastoreItem>
-</file>
-
-<file path=customXml/itemProps3.xml><?xml version="1.0" encoding="utf-8"?>
-<ds:datastoreItem xmlns:ds="http://schemas.openxmlformats.org/officeDocument/2006/customXml" ds:itemID="{B1063616-57F3-4C87-BB7F-2974CF36DE76}">
-  <ds:schemaRefs>
-    <ds:schemaRef ds:uri="http://schemas.microsoft.com/sharepoint/v3/contenttype/forms"/>
-  </ds:schemaRefs>
-</ds:datastoreItem>
 </file>